--- a/Presentation/Keynote/Keynote.pptx
+++ b/Presentation/Keynote/Keynote.pptx
@@ -1,6 +1,6 @@
 
 <file path=ppt/presentation.xml><?xml version="1.0" encoding="utf-8"?>
-<p:presentation xmlns:a="http://schemas.openxmlformats.org/drawingml/2006/main" xmlns:r="http://schemas.openxmlformats.org/officeDocument/2006/relationships" xmlns:p="http://schemas.openxmlformats.org/presentationml/2006/main" saveSubsetFonts="1">
+<p:presentation xmlns:a="http://schemas.openxmlformats.org/drawingml/2006/main" xmlns:r="http://schemas.openxmlformats.org/officeDocument/2006/relationships" xmlns:p="http://schemas.openxmlformats.org/presentationml/2006/main" removePersonalInfoOnSave="1" saveSubsetFonts="1">
   <p:sldMasterIdLst>
     <p:sldMasterId id="2147483755" r:id="rId1"/>
     <p:sldMasterId id="2147483714" r:id="rId2"/>
@@ -3220,7 +3220,41 @@
                 </a:gradFill>
                 <a:cs typeface="Segoe UI" pitchFamily="34" charset="0"/>
               </a:rPr>
-              <a:t>© 2012 Microsoft Corporation. All rights reserved. Microsoft, Windows, Windows Vista and other product names are or may be registered trademarks and/or trademarks in the U.S. and/or other countries.</a:t>
+              <a:t>© 2012 Microsoft Corporation. All rights reserved. Microsoft, </a:t>
+            </a:r>
+            <a:r>
+              <a:rPr lang="en-US" sz="686" dirty="0" smtClean="0">
+                <a:gradFill>
+                  <a:gsLst>
+                    <a:gs pos="0">
+                      <a:srgbClr val="FFFFFF"/>
+                    </a:gs>
+                    <a:gs pos="100000">
+                      <a:srgbClr val="FFFFFF"/>
+                    </a:gs>
+                  </a:gsLst>
+                  <a:lin ang="5400000" scaled="0"/>
+                </a:gradFill>
+                <a:cs typeface="Segoe UI" pitchFamily="34" charset="0"/>
+              </a:rPr>
+              <a:t>Microsoft, Microsoft </a:t>
+            </a:r>
+            <a:r>
+              <a:rPr lang="en-US" sz="686" dirty="0">
+                <a:gradFill>
+                  <a:gsLst>
+                    <a:gs pos="0">
+                      <a:srgbClr val="FFFFFF"/>
+                    </a:gs>
+                    <a:gs pos="100000">
+                      <a:srgbClr val="FFFFFF"/>
+                    </a:gs>
+                  </a:gsLst>
+                  <a:lin ang="5400000" scaled="0"/>
+                </a:gradFill>
+                <a:cs typeface="Segoe UI" pitchFamily="34" charset="0"/>
+              </a:rPr>
+              <a:t>Vista and other product names are or may be registered trademarks and/or trademarks in the U.S. and/or other countries.</a:t>
             </a:r>
           </a:p>
           <a:p>
@@ -15625,7 +15659,13 @@
           <p:nvPr userDrawn="1"/>
         </p:nvPicPr>
         <p:blipFill>
-          <a:blip r:embed="rId17"/>
+          <a:blip r:embed="rId17" cstate="print">
+            <a:extLst>
+              <a:ext uri="{28A0092B-C50C-407E-A947-70E740481C1C}">
+                <a14:useLocalDpi xmlns:a14="http://schemas.microsoft.com/office/drawing/2010/main" val="0"/>
+              </a:ext>
+            </a:extLst>
+          </a:blip>
           <a:stretch>
             <a:fillRect/>
           </a:stretch>
@@ -16448,7 +16488,13 @@
           <p:nvPr userDrawn="1"/>
         </p:nvPicPr>
         <p:blipFill>
-          <a:blip r:embed="rId10"/>
+          <a:blip r:embed="rId10" cstate="print">
+            <a:extLst>
+              <a:ext uri="{28A0092B-C50C-407E-A947-70E740481C1C}">
+                <a14:useLocalDpi xmlns:a14="http://schemas.microsoft.com/office/drawing/2010/main" val="0"/>
+              </a:ext>
+            </a:extLst>
+          </a:blip>
           <a:stretch>
             <a:fillRect/>
           </a:stretch>
@@ -17403,7 +17449,13 @@
           <p:nvPr userDrawn="1"/>
         </p:nvPicPr>
         <p:blipFill>
-          <a:blip r:embed="rId10"/>
+          <a:blip r:embed="rId10" cstate="print">
+            <a:extLst>
+              <a:ext uri="{28A0092B-C50C-407E-A947-70E740481C1C}">
+                <a14:useLocalDpi xmlns:a14="http://schemas.microsoft.com/office/drawing/2010/main" val="0"/>
+              </a:ext>
+            </a:extLst>
+          </a:blip>
           <a:stretch>
             <a:fillRect/>
           </a:stretch>
@@ -18358,7 +18410,13 @@
           <p:nvPr userDrawn="1"/>
         </p:nvPicPr>
         <p:blipFill>
-          <a:blip r:embed="rId11"/>
+          <a:blip r:embed="rId11" cstate="print">
+            <a:extLst>
+              <a:ext uri="{28A0092B-C50C-407E-A947-70E740481C1C}">
+                <a14:useLocalDpi xmlns:a14="http://schemas.microsoft.com/office/drawing/2010/main" val="0"/>
+              </a:ext>
+            </a:extLst>
+          </a:blip>
           <a:stretch>
             <a:fillRect/>
           </a:stretch>
@@ -19314,7 +19372,13 @@
           <p:nvPr userDrawn="1"/>
         </p:nvPicPr>
         <p:blipFill>
-          <a:blip r:embed="rId10"/>
+          <a:blip r:embed="rId10" cstate="print">
+            <a:extLst>
+              <a:ext uri="{28A0092B-C50C-407E-A947-70E740481C1C}">
+                <a14:useLocalDpi xmlns:a14="http://schemas.microsoft.com/office/drawing/2010/main" val="0"/>
+              </a:ext>
+            </a:extLst>
+          </a:blip>
           <a:stretch>
             <a:fillRect/>
           </a:stretch>
@@ -20269,7 +20333,13 @@
           <p:nvPr userDrawn="1"/>
         </p:nvPicPr>
         <p:blipFill>
-          <a:blip r:embed="rId9"/>
+          <a:blip r:embed="rId9" cstate="print">
+            <a:extLst>
+              <a:ext uri="{28A0092B-C50C-407E-A947-70E740481C1C}">
+                <a14:useLocalDpi xmlns:a14="http://schemas.microsoft.com/office/drawing/2010/main" val="0"/>
+              </a:ext>
+            </a:extLst>
+          </a:blip>
           <a:stretch>
             <a:fillRect/>
           </a:stretch>
@@ -24610,62 +24680,6 @@
           <a:chExt cx="0" cy="0"/>
         </a:xfrm>
       </p:grpSpPr>
-      <p:graphicFrame>
-        <p:nvGraphicFramePr>
-          <p:cNvPr id="2" name="Object 1" hidden="1"/>
-          <p:cNvGraphicFramePr>
-            <a:graphicFrameLocks noChangeAspect="1"/>
-          </p:cNvGraphicFramePr>
-          <p:nvPr>
-            <p:custDataLst>
-              <p:tags r:id="rId2"/>
-            </p:custDataLst>
-            <p:extLst/>
-          </p:nvPr>
-        </p:nvGraphicFramePr>
-        <p:xfrm>
-          <a:off x="1588" y="0"/>
-          <a:ext cx="158750" cy="158750"/>
-        </p:xfrm>
-        <a:graphic>
-          <a:graphicData uri="http://schemas.openxmlformats.org/presentationml/2006/ole">
-            <mc:AlternateContent xmlns:mc="http://schemas.openxmlformats.org/markup-compatibility/2006">
-              <mc:Choice xmlns:v="urn:schemas-microsoft-com:vml" Requires="v">
-                <p:oleObj spid="_x0000_s8202" name="think-cell Slide" r:id="rId5" imgW="270" imgH="270" progId="TCLayout.ActiveDocument.1">
-                  <p:embed/>
-                </p:oleObj>
-              </mc:Choice>
-              <mc:Fallback>
-                <p:oleObj name="think-cell Slide" r:id="rId5" imgW="270" imgH="270" progId="TCLayout.ActiveDocument.1">
-                  <p:embed/>
-                  <p:pic>
-                    <p:nvPicPr>
-                      <p:cNvPr id="0" name=""/>
-                      <p:cNvPicPr/>
-                      <p:nvPr/>
-                    </p:nvPicPr>
-                    <p:blipFill>
-                      <a:blip r:embed="rId6"/>
-                      <a:stretch>
-                        <a:fillRect/>
-                      </a:stretch>
-                    </p:blipFill>
-                    <p:spPr>
-                      <a:xfrm>
-                        <a:off x="1588" y="0"/>
-                        <a:ext cx="158750" cy="158750"/>
-                      </a:xfrm>
-                      <a:prstGeom prst="rect">
-                        <a:avLst/>
-                      </a:prstGeom>
-                    </p:spPr>
-                  </p:pic>
-                </p:oleObj>
-              </mc:Fallback>
-            </mc:AlternateContent>
-          </a:graphicData>
-        </a:graphic>
-      </p:graphicFrame>
       <p:sp>
         <p:nvSpPr>
           <p:cNvPr id="7" name="Title 6"/>
@@ -25243,62 +25257,6 @@
           <a:chExt cx="0" cy="0"/>
         </a:xfrm>
       </p:grpSpPr>
-      <p:graphicFrame>
-        <p:nvGraphicFramePr>
-          <p:cNvPr id="2" name="Object 1" hidden="1"/>
-          <p:cNvGraphicFramePr>
-            <a:graphicFrameLocks noChangeAspect="1"/>
-          </p:cNvGraphicFramePr>
-          <p:nvPr>
-            <p:custDataLst>
-              <p:tags r:id="rId2"/>
-            </p:custDataLst>
-            <p:extLst/>
-          </p:nvPr>
-        </p:nvGraphicFramePr>
-        <p:xfrm>
-          <a:off x="1588" y="0"/>
-          <a:ext cx="158750" cy="158750"/>
-        </p:xfrm>
-        <a:graphic>
-          <a:graphicData uri="http://schemas.openxmlformats.org/presentationml/2006/ole">
-            <mc:AlternateContent xmlns:mc="http://schemas.openxmlformats.org/markup-compatibility/2006">
-              <mc:Choice xmlns:v="urn:schemas-microsoft-com:vml" Requires="v">
-                <p:oleObj spid="_x0000_s7183" name="think-cell Slide" r:id="rId6" imgW="270" imgH="270" progId="TCLayout.ActiveDocument.1">
-                  <p:embed/>
-                </p:oleObj>
-              </mc:Choice>
-              <mc:Fallback>
-                <p:oleObj name="think-cell Slide" r:id="rId6" imgW="270" imgH="270" progId="TCLayout.ActiveDocument.1">
-                  <p:embed/>
-                  <p:pic>
-                    <p:nvPicPr>
-                      <p:cNvPr id="0" name=""/>
-                      <p:cNvPicPr/>
-                      <p:nvPr/>
-                    </p:nvPicPr>
-                    <p:blipFill>
-                      <a:blip r:embed="rId7"/>
-                      <a:stretch>
-                        <a:fillRect/>
-                      </a:stretch>
-                    </p:blipFill>
-                    <p:spPr>
-                      <a:xfrm>
-                        <a:off x="1588" y="0"/>
-                        <a:ext cx="158750" cy="158750"/>
-                      </a:xfrm>
-                      <a:prstGeom prst="rect">
-                        <a:avLst/>
-                      </a:prstGeom>
-                    </p:spPr>
-                  </p:pic>
-                </p:oleObj>
-              </mc:Fallback>
-            </mc:AlternateContent>
-          </a:graphicData>
-        </a:graphic>
-      </p:graphicFrame>
       <p:sp>
         <p:nvSpPr>
           <p:cNvPr id="5" name="Title 4"/>
@@ -25333,7 +25291,7 @@
           <p:nvPr>
             <p:ph type="body" sz="quarter" idx="10"/>
             <p:custDataLst>
-              <p:tags r:id="rId3"/>
+              <p:tags r:id="rId1"/>
             </p:custDataLst>
           </p:nvPr>
         </p:nvSpPr>
@@ -25437,7 +25395,7 @@
               </a:spcAft>
             </a:pPr>
             <a:r>
-              <a:rPr lang="en-US" sz="3200" b="1" dirty="0">
+              <a:rPr lang="en-US" sz="3200" b="1">
                 <a:solidFill>
                   <a:schemeClr val="bg1"/>
                 </a:solidFill>
@@ -25445,7 +25403,7 @@
               <a:t>http</a:t>
             </a:r>
             <a:r>
-              <a:rPr lang="en-US" sz="3200" b="1" dirty="0" smtClean="0">
+              <a:rPr lang="en-US" sz="3200" b="1" smtClean="0">
                 <a:solidFill>
                   <a:schemeClr val="bg1"/>
                 </a:solidFill>
@@ -25875,62 +25833,6 @@
           <a:chExt cx="0" cy="0"/>
         </a:xfrm>
       </p:grpSpPr>
-      <p:graphicFrame>
-        <p:nvGraphicFramePr>
-          <p:cNvPr id="2" name="Object 1" hidden="1"/>
-          <p:cNvGraphicFramePr>
-            <a:graphicFrameLocks noChangeAspect="1"/>
-          </p:cNvGraphicFramePr>
-          <p:nvPr>
-            <p:custDataLst>
-              <p:tags r:id="rId2"/>
-            </p:custDataLst>
-            <p:extLst/>
-          </p:nvPr>
-        </p:nvGraphicFramePr>
-        <p:xfrm>
-          <a:off x="1588" y="0"/>
-          <a:ext cx="158750" cy="158750"/>
-        </p:xfrm>
-        <a:graphic>
-          <a:graphicData uri="http://schemas.openxmlformats.org/presentationml/2006/ole">
-            <mc:AlternateContent xmlns:mc="http://schemas.openxmlformats.org/markup-compatibility/2006">
-              <mc:Choice xmlns:v="urn:schemas-microsoft-com:vml" Requires="v">
-                <p:oleObj spid="_x0000_s1038" name="think-cell Slide" r:id="rId5" imgW="270" imgH="270" progId="TCLayout.ActiveDocument.1">
-                  <p:embed/>
-                </p:oleObj>
-              </mc:Choice>
-              <mc:Fallback>
-                <p:oleObj name="think-cell Slide" r:id="rId5" imgW="270" imgH="270" progId="TCLayout.ActiveDocument.1">
-                  <p:embed/>
-                  <p:pic>
-                    <p:nvPicPr>
-                      <p:cNvPr id="0" name=""/>
-                      <p:cNvPicPr/>
-                      <p:nvPr/>
-                    </p:nvPicPr>
-                    <p:blipFill>
-                      <a:blip r:embed="rId6"/>
-                      <a:stretch>
-                        <a:fillRect/>
-                      </a:stretch>
-                    </p:blipFill>
-                    <p:spPr>
-                      <a:xfrm>
-                        <a:off x="1588" y="0"/>
-                        <a:ext cx="158750" cy="158750"/>
-                      </a:xfrm>
-                      <a:prstGeom prst="rect">
-                        <a:avLst/>
-                      </a:prstGeom>
-                    </p:spPr>
-                  </p:pic>
-                </p:oleObj>
-              </mc:Fallback>
-            </mc:AlternateContent>
-          </a:graphicData>
-        </a:graphic>
-      </p:graphicFrame>
       <p:sp>
         <p:nvSpPr>
           <p:cNvPr id="7" name="Title 6"/>
@@ -26508,62 +26410,6 @@
           <a:chExt cx="0" cy="0"/>
         </a:xfrm>
       </p:grpSpPr>
-      <p:graphicFrame>
-        <p:nvGraphicFramePr>
-          <p:cNvPr id="2" name="Object 1" hidden="1"/>
-          <p:cNvGraphicFramePr>
-            <a:graphicFrameLocks noChangeAspect="1"/>
-          </p:cNvGraphicFramePr>
-          <p:nvPr>
-            <p:custDataLst>
-              <p:tags r:id="rId2"/>
-            </p:custDataLst>
-            <p:extLst/>
-          </p:nvPr>
-        </p:nvGraphicFramePr>
-        <p:xfrm>
-          <a:off x="1588" y="0"/>
-          <a:ext cx="158750" cy="158750"/>
-        </p:xfrm>
-        <a:graphic>
-          <a:graphicData uri="http://schemas.openxmlformats.org/presentationml/2006/ole">
-            <mc:AlternateContent xmlns:mc="http://schemas.openxmlformats.org/markup-compatibility/2006">
-              <mc:Choice xmlns:v="urn:schemas-microsoft-com:vml" Requires="v">
-                <p:oleObj spid="_x0000_s2063" name="think-cell Slide" r:id="rId5" imgW="270" imgH="270" progId="TCLayout.ActiveDocument.1">
-                  <p:embed/>
-                </p:oleObj>
-              </mc:Choice>
-              <mc:Fallback>
-                <p:oleObj name="think-cell Slide" r:id="rId5" imgW="270" imgH="270" progId="TCLayout.ActiveDocument.1">
-                  <p:embed/>
-                  <p:pic>
-                    <p:nvPicPr>
-                      <p:cNvPr id="0" name=""/>
-                      <p:cNvPicPr/>
-                      <p:nvPr/>
-                    </p:nvPicPr>
-                    <p:blipFill>
-                      <a:blip r:embed="rId6"/>
-                      <a:stretch>
-                        <a:fillRect/>
-                      </a:stretch>
-                    </p:blipFill>
-                    <p:spPr>
-                      <a:xfrm>
-                        <a:off x="1588" y="0"/>
-                        <a:ext cx="158750" cy="158750"/>
-                      </a:xfrm>
-                      <a:prstGeom prst="rect">
-                        <a:avLst/>
-                      </a:prstGeom>
-                    </p:spPr>
-                  </p:pic>
-                </p:oleObj>
-              </mc:Fallback>
-            </mc:AlternateContent>
-          </a:graphicData>
-        </a:graphic>
-      </p:graphicFrame>
       <p:sp>
         <p:nvSpPr>
           <p:cNvPr id="7" name="Title 6"/>
@@ -26835,14 +26681,14 @@
             <p:nvPr/>
           </p:nvPicPr>
           <p:blipFill rotWithShape="1">
-            <a:blip r:embed="rId7">
+            <a:blip r:embed="rId3" cstate="print">
               <a:extLst>
                 <a:ext uri="{28A0092B-C50C-407E-A947-70E740481C1C}">
                   <a14:useLocalDpi xmlns:a14="http://schemas.microsoft.com/office/drawing/2010/main" val="0"/>
                 </a:ext>
               </a:extLst>
             </a:blip>
-            <a:srcRect r="83020"/>
+            <a:srcRect/>
             <a:stretch/>
           </p:blipFill>
           <p:spPr bwMode="auto">
@@ -26874,14 +26720,14 @@
             <p:nvPr/>
           </p:nvPicPr>
           <p:blipFill rotWithShape="1">
-            <a:blip r:embed="rId8" cstate="print">
+            <a:blip r:embed="rId4" cstate="print">
               <a:extLst>
                 <a:ext uri="{28A0092B-C50C-407E-A947-70E740481C1C}">
                   <a14:useLocalDpi xmlns:a14="http://schemas.microsoft.com/office/drawing/2010/main" val="0"/>
                 </a:ext>
               </a:extLst>
             </a:blip>
-            <a:srcRect l="20316"/>
+            <a:srcRect/>
             <a:stretch/>
           </p:blipFill>
           <p:spPr bwMode="auto">
@@ -27426,62 +27272,6 @@
           <a:chExt cx="0" cy="0"/>
         </a:xfrm>
       </p:grpSpPr>
-      <p:graphicFrame>
-        <p:nvGraphicFramePr>
-          <p:cNvPr id="2" name="Object 1" hidden="1"/>
-          <p:cNvGraphicFramePr>
-            <a:graphicFrameLocks noChangeAspect="1"/>
-          </p:cNvGraphicFramePr>
-          <p:nvPr>
-            <p:custDataLst>
-              <p:tags r:id="rId2"/>
-            </p:custDataLst>
-            <p:extLst/>
-          </p:nvPr>
-        </p:nvGraphicFramePr>
-        <p:xfrm>
-          <a:off x="1588" y="0"/>
-          <a:ext cx="158750" cy="158750"/>
-        </p:xfrm>
-        <a:graphic>
-          <a:graphicData uri="http://schemas.openxmlformats.org/presentationml/2006/ole">
-            <mc:AlternateContent xmlns:mc="http://schemas.openxmlformats.org/markup-compatibility/2006">
-              <mc:Choice xmlns:v="urn:schemas-microsoft-com:vml" Requires="v">
-                <p:oleObj spid="_x0000_s3086" name="think-cell Slide" r:id="rId5" imgW="270" imgH="270" progId="TCLayout.ActiveDocument.1">
-                  <p:embed/>
-                </p:oleObj>
-              </mc:Choice>
-              <mc:Fallback>
-                <p:oleObj name="think-cell Slide" r:id="rId5" imgW="270" imgH="270" progId="TCLayout.ActiveDocument.1">
-                  <p:embed/>
-                  <p:pic>
-                    <p:nvPicPr>
-                      <p:cNvPr id="0" name=""/>
-                      <p:cNvPicPr/>
-                      <p:nvPr/>
-                    </p:nvPicPr>
-                    <p:blipFill>
-                      <a:blip r:embed="rId6"/>
-                      <a:stretch>
-                        <a:fillRect/>
-                      </a:stretch>
-                    </p:blipFill>
-                    <p:spPr>
-                      <a:xfrm>
-                        <a:off x="1588" y="0"/>
-                        <a:ext cx="158750" cy="158750"/>
-                      </a:xfrm>
-                      <a:prstGeom prst="rect">
-                        <a:avLst/>
-                      </a:prstGeom>
-                    </p:spPr>
-                  </p:pic>
-                </p:oleObj>
-              </mc:Fallback>
-            </mc:AlternateContent>
-          </a:graphicData>
-        </a:graphic>
-      </p:graphicFrame>
       <p:sp>
         <p:nvSpPr>
           <p:cNvPr id="7" name="Title 6"/>
@@ -27669,7 +27459,7 @@
           <p:nvPr/>
         </p:nvPicPr>
         <p:blipFill>
-          <a:blip r:embed="rId7">
+          <a:blip r:embed="rId3">
             <a:extLst>
               <a:ext uri="{28A0092B-C50C-407E-A947-70E740481C1C}">
                 <a14:useLocalDpi xmlns:a14="http://schemas.microsoft.com/office/drawing/2010/main" val="0"/>
@@ -29238,62 +29028,6 @@
           <a:chExt cx="0" cy="0"/>
         </a:xfrm>
       </p:grpSpPr>
-      <p:graphicFrame>
-        <p:nvGraphicFramePr>
-          <p:cNvPr id="2" name="Object 1" hidden="1"/>
-          <p:cNvGraphicFramePr>
-            <a:graphicFrameLocks noChangeAspect="1"/>
-          </p:cNvGraphicFramePr>
-          <p:nvPr>
-            <p:custDataLst>
-              <p:tags r:id="rId2"/>
-            </p:custDataLst>
-            <p:extLst/>
-          </p:nvPr>
-        </p:nvGraphicFramePr>
-        <p:xfrm>
-          <a:off x="1588" y="0"/>
-          <a:ext cx="158750" cy="158750"/>
-        </p:xfrm>
-        <a:graphic>
-          <a:graphicData uri="http://schemas.openxmlformats.org/presentationml/2006/ole">
-            <mc:AlternateContent xmlns:mc="http://schemas.openxmlformats.org/markup-compatibility/2006">
-              <mc:Choice xmlns:v="urn:schemas-microsoft-com:vml" Requires="v">
-                <p:oleObj spid="_x0000_s4111" name="think-cell Slide" r:id="rId5" imgW="270" imgH="270" progId="TCLayout.ActiveDocument.1">
-                  <p:embed/>
-                </p:oleObj>
-              </mc:Choice>
-              <mc:Fallback>
-                <p:oleObj name="think-cell Slide" r:id="rId5" imgW="270" imgH="270" progId="TCLayout.ActiveDocument.1">
-                  <p:embed/>
-                  <p:pic>
-                    <p:nvPicPr>
-                      <p:cNvPr id="0" name=""/>
-                      <p:cNvPicPr/>
-                      <p:nvPr/>
-                    </p:nvPicPr>
-                    <p:blipFill>
-                      <a:blip r:embed="rId6"/>
-                      <a:stretch>
-                        <a:fillRect/>
-                      </a:stretch>
-                    </p:blipFill>
-                    <p:spPr>
-                      <a:xfrm>
-                        <a:off x="1588" y="0"/>
-                        <a:ext cx="158750" cy="158750"/>
-                      </a:xfrm>
-                      <a:prstGeom prst="rect">
-                        <a:avLst/>
-                      </a:prstGeom>
-                    </p:spPr>
-                  </p:pic>
-                </p:oleObj>
-              </mc:Fallback>
-            </mc:AlternateContent>
-          </a:graphicData>
-        </a:graphic>
-      </p:graphicFrame>
       <p:sp>
         <p:nvSpPr>
           <p:cNvPr id="7" name="Title 6"/>
@@ -29448,7 +29182,7 @@
           <p:nvPr/>
         </p:nvPicPr>
         <p:blipFill>
-          <a:blip r:embed="rId7" cstate="print">
+          <a:blip r:embed="rId3" cstate="print">
             <a:extLst>
               <a:ext uri="{28A0092B-C50C-407E-A947-70E740481C1C}">
                 <a14:useLocalDpi xmlns:a14="http://schemas.microsoft.com/office/drawing/2010/main" val="0"/>
@@ -30105,14 +29839,14 @@
           <p:nvPr/>
         </p:nvPicPr>
         <p:blipFill rotWithShape="1">
-          <a:blip r:embed="rId2">
+          <a:blip r:embed="rId2" cstate="print">
             <a:extLst>
               <a:ext uri="{28A0092B-C50C-407E-A947-70E740481C1C}">
                 <a14:useLocalDpi xmlns:a14="http://schemas.microsoft.com/office/drawing/2010/main" val="0"/>
               </a:ext>
             </a:extLst>
           </a:blip>
-          <a:srcRect l="1289" t="1779" r="15486" b="12158"/>
+          <a:srcRect/>
           <a:stretch/>
         </p:blipFill>
         <p:spPr>
@@ -30154,42 +29888,6 @@
 </file>
 
 <file path=ppt/tags/tag1.xml><?xml version="1.0" encoding="utf-8"?>
-<p:tagLst xmlns:a="http://schemas.openxmlformats.org/drawingml/2006/main" xmlns:r="http://schemas.openxmlformats.org/officeDocument/2006/relationships" xmlns:p="http://schemas.openxmlformats.org/presentationml/2006/main">
-  <p:tag name="THINKCELLSHAPEDONOTDELETE" val="thinkcellActiveDocDoNotDelete"/>
-</p:tagLst>
-</file>
-
-<file path=ppt/tags/tag2.xml><?xml version="1.0" encoding="utf-8"?>
-<p:tagLst xmlns:a="http://schemas.openxmlformats.org/drawingml/2006/main" xmlns:r="http://schemas.openxmlformats.org/officeDocument/2006/relationships" xmlns:p="http://schemas.openxmlformats.org/presentationml/2006/main">
-  <p:tag name="THINKCELLSHAPEDONOTDELETE" val="thinkcellActiveDocDoNotDelete"/>
-</p:tagLst>
-</file>
-
-<file path=ppt/tags/tag3.xml><?xml version="1.0" encoding="utf-8"?>
-<p:tagLst xmlns:a="http://schemas.openxmlformats.org/drawingml/2006/main" xmlns:r="http://schemas.openxmlformats.org/officeDocument/2006/relationships" xmlns:p="http://schemas.openxmlformats.org/presentationml/2006/main">
-  <p:tag name="THINKCELLSHAPEDONOTDELETE" val="thinkcellActiveDocDoNotDelete"/>
-</p:tagLst>
-</file>
-
-<file path=ppt/tags/tag4.xml><?xml version="1.0" encoding="utf-8"?>
-<p:tagLst xmlns:a="http://schemas.openxmlformats.org/drawingml/2006/main" xmlns:r="http://schemas.openxmlformats.org/officeDocument/2006/relationships" xmlns:p="http://schemas.openxmlformats.org/presentationml/2006/main">
-  <p:tag name="THINKCELLSHAPEDONOTDELETE" val="thinkcellActiveDocDoNotDelete"/>
-</p:tagLst>
-</file>
-
-<file path=ppt/tags/tag5.xml><?xml version="1.0" encoding="utf-8"?>
-<p:tagLst xmlns:a="http://schemas.openxmlformats.org/drawingml/2006/main" xmlns:r="http://schemas.openxmlformats.org/officeDocument/2006/relationships" xmlns:p="http://schemas.openxmlformats.org/presentationml/2006/main">
-  <p:tag name="THINKCELLSHAPEDONOTDELETE" val="thinkcellActiveDocDoNotDelete"/>
-</p:tagLst>
-</file>
-
-<file path=ppt/tags/tag6.xml><?xml version="1.0" encoding="utf-8"?>
-<p:tagLst xmlns:a="http://schemas.openxmlformats.org/drawingml/2006/main" xmlns:r="http://schemas.openxmlformats.org/officeDocument/2006/relationships" xmlns:p="http://schemas.openxmlformats.org/presentationml/2006/main">
-  <p:tag name="THINKCELLSHAPEDONOTDELETE" val="thinkcellActiveDocDoNotDelete"/>
-</p:tagLst>
-</file>
-
-<file path=ppt/tags/tag7.xml><?xml version="1.0" encoding="utf-8"?>
 <p:tagLst xmlns:a="http://schemas.openxmlformats.org/drawingml/2006/main" xmlns:r="http://schemas.openxmlformats.org/officeDocument/2006/relationships" xmlns:p="http://schemas.openxmlformats.org/presentationml/2006/main">
   <p:tag name="THINKCELLSHAPEDONOTDELETE" val="pXRmmtj9Uk0K6GWGBb7RAuA"/>
 </p:tagLst>

--- a/Presentation/Keynote/Keynote.pptx
+++ b/Presentation/Keynote/Keynote.pptx
@@ -140,6 +140,9 @@
     <p:ext uri="{EFAFB233-063F-42B5-8137-9DF3F51BA10A}">
       <p15:sldGuideLst xmlns:p15="http://schemas.microsoft.com/office/powerpoint/2012/main"/>
     </p:ext>
+    <p:ext uri="{2D200454-40CA-4A62-9FC3-DE9A4176ACB9}">
+      <p15:notesGuideLst xmlns:p15="http://schemas.microsoft.com/office/powerpoint/2012/main"/>
+    </p:ext>
   </p:extLst>
 </p:presentation>
 </file>
@@ -226,7 +229,7 @@
           <a:p>
             <a:fld id="{0E990FE3-7537-4D15-A9F5-FDF1805FD5F8}" type="datetimeFigureOut">
               <a:rPr lang="en-US" smtClean="0"/>
-              <a:t>10/3/2014</a:t>
+              <a:t>6/5/2015</a:t>
             </a:fld>
             <a:endParaRPr lang="en-US"/>
           </a:p>
@@ -1339,45 +1342,7 @@
                 <a:ea typeface="Segoe UI" pitchFamily="34" charset="0"/>
                 <a:cs typeface="Segoe UI" pitchFamily="34" charset="0"/>
               </a:rPr>
-              <a:t>© 2012 Microsoft Corporation. All rights reserved. Microsoft, </a:t>
-            </a:r>
-            <a:r>
-              <a:rPr lang="en-US" sz="400" dirty="0" smtClean="0">
-                <a:gradFill>
-                  <a:gsLst>
-                    <a:gs pos="0">
-                      <a:prstClr val="black"/>
-                    </a:gs>
-                    <a:gs pos="100000">
-                      <a:prstClr val="black"/>
-                    </a:gs>
-                  </a:gsLst>
-                  <a:lin ang="5400000" scaled="0"/>
-                </a:gradFill>
-                <a:latin typeface="Segoe UI" pitchFamily="34" charset="0"/>
-                <a:ea typeface="Segoe UI" pitchFamily="34" charset="0"/>
-                <a:cs typeface="Segoe UI" pitchFamily="34" charset="0"/>
-              </a:rPr>
-              <a:t>Microsoft, </a:t>
-            </a:r>
-            <a:r>
-              <a:rPr lang="en-US" sz="400" dirty="0" smtClean="0">
-                <a:gradFill>
-                  <a:gsLst>
-                    <a:gs pos="0">
-                      <a:prstClr val="black"/>
-                    </a:gs>
-                    <a:gs pos="100000">
-                      <a:prstClr val="black"/>
-                    </a:gs>
-                  </a:gsLst>
-                  <a:lin ang="5400000" scaled="0"/>
-                </a:gradFill>
-                <a:latin typeface="Segoe UI" pitchFamily="34" charset="0"/>
-                <a:ea typeface="Segoe UI" pitchFamily="34" charset="0"/>
-                <a:cs typeface="Segoe UI" pitchFamily="34" charset="0"/>
-              </a:rPr>
-              <a:t>and other product names are or may be registered trademarks and/or trademarks in the U.S. and/or other countries.</a:t>
+              <a:t>© 2012 Microsoft Corporation. All rights reserved. Microsoft, Microsoft, and other product names are or may be registered trademarks and/or trademarks in the U.S. and/or other countries.</a:t>
             </a:r>
           </a:p>
           <a:p>
@@ -1421,7 +1386,7 @@
           <a:p>
             <a:fld id="{50A28030-5D59-4E14-AFE9-B93D391AF3AF}" type="datetime1">
               <a:rPr lang="en-US" smtClean="0"/>
-              <a:t>10/3/2014</a:t>
+              <a:t>6/5/2015</a:t>
             </a:fld>
             <a:endParaRPr lang="en-US" dirty="0"/>
           </a:p>
@@ -16907,15 +16872,7 @@
                   <a:srgbClr val="BDCD2C"/>
                 </a:solidFill>
               </a:rPr>
-              <a:t>Microsoft </a:t>
-            </a:r>
-            <a:r>
-              <a:rPr lang="en-US" dirty="0" smtClean="0">
-                <a:solidFill>
-                  <a:srgbClr val="BDCD2C"/>
-                </a:solidFill>
-              </a:rPr>
-              <a:t>Azure</a:t>
+              <a:t>Microsoft Azure</a:t>
             </a:r>
             <a:endParaRPr lang="en-US" dirty="0">
               <a:solidFill>
@@ -17868,15 +17825,7 @@
                   <a:srgbClr val="617081"/>
                 </a:solidFill>
               </a:rPr>
-              <a:t>Microsoft </a:t>
-            </a:r>
-            <a:r>
-              <a:rPr lang="en-US" dirty="0" smtClean="0">
-                <a:solidFill>
-                  <a:srgbClr val="617081"/>
-                </a:solidFill>
-              </a:rPr>
-              <a:t>Azure</a:t>
+              <a:t>Microsoft Azure</a:t>
             </a:r>
             <a:endParaRPr lang="en-US" dirty="0">
               <a:solidFill>
@@ -18829,15 +18778,7 @@
                   <a:srgbClr val="0171B0"/>
                 </a:solidFill>
               </a:rPr>
-              <a:t>Microsoft </a:t>
-            </a:r>
-            <a:r>
-              <a:rPr lang="en-US" dirty="0" smtClean="0">
-                <a:solidFill>
-                  <a:srgbClr val="0171B0"/>
-                </a:solidFill>
-              </a:rPr>
-              <a:t>Azure</a:t>
+              <a:t>Microsoft Azure</a:t>
             </a:r>
             <a:endParaRPr lang="en-US" dirty="0">
               <a:solidFill>
@@ -19791,15 +19732,7 @@
                   <a:srgbClr val="289FD7"/>
                 </a:solidFill>
               </a:rPr>
-              <a:t>Microsoft </a:t>
-            </a:r>
-            <a:r>
-              <a:rPr lang="en-US" dirty="0" smtClean="0">
-                <a:solidFill>
-                  <a:srgbClr val="289FD7"/>
-                </a:solidFill>
-              </a:rPr>
-              <a:t>Azure</a:t>
+              <a:t>Microsoft Azure</a:t>
             </a:r>
             <a:endParaRPr lang="en-US" dirty="0">
               <a:solidFill>
@@ -20752,15 +20685,7 @@
                   <a:srgbClr val="617081"/>
                 </a:solidFill>
               </a:rPr>
-              <a:t>Microsoft </a:t>
-            </a:r>
-            <a:r>
-              <a:rPr lang="en-US" dirty="0" smtClean="0">
-                <a:solidFill>
-                  <a:srgbClr val="617081"/>
-                </a:solidFill>
-              </a:rPr>
-              <a:t>Azure</a:t>
+              <a:t>Microsoft Azure</a:t>
             </a:r>
             <a:endParaRPr lang="en-US" dirty="0">
               <a:solidFill>
@@ -21330,7 +21255,7 @@
       </p:grpSpPr>
       <p:pic>
         <p:nvPicPr>
-          <p:cNvPr id="2" name="Picture 1" descr="Windows Azure Free Trial: Try Windows Azure | Azure Free Trial - Windows Internet Explorer - [InPrivate]"/>
+          <p:cNvPr id="2" name="Picture 1"/>
           <p:cNvPicPr>
             <a:picLocks noChangeAspect="1"/>
           </p:cNvPicPr>
@@ -21350,8 +21275,8 @@
         </p:blipFill>
         <p:spPr>
           <a:xfrm>
-            <a:off x="1589" y="125346"/>
-            <a:ext cx="12188825" cy="6607309"/>
+            <a:off x="0" y="-1"/>
+            <a:ext cx="12192000" cy="6798541"/>
           </a:xfrm>
           <a:prstGeom prst="rect">
             <a:avLst/>
@@ -21780,7 +21705,7 @@
       </p:grpSpPr>
       <p:pic>
         <p:nvPicPr>
-          <p:cNvPr id="2" name="Picture 1" descr="Windows Azure - Windows Internet Explorer - [InPrivate]"/>
+          <p:cNvPr id="3" name="Picture 2" descr="Windows Azure - Windows Internet Explorer - [InPrivate]"/>
           <p:cNvPicPr>
             <a:picLocks noChangeAspect="1"/>
           </p:cNvPicPr>
@@ -22107,7 +22032,7 @@
                   </a:solidFill>
                   <a:cs typeface="Segoe UI Light" panose="020B0502040204020203" pitchFamily="34" charset="0"/>
                 </a:rPr>
-                <a:t>SITES</a:t>
+                <a:t>APPS</a:t>
               </a:r>
               <a:br>
                 <a:rPr lang="en-US" sz="1961" dirty="0" smtClean="0">
@@ -23219,11 +23144,7 @@
           <a:p>
             <a:r>
               <a:rPr lang="en-US" dirty="0" smtClean="0"/>
-              <a:t>Microsoft </a:t>
-            </a:r>
-            <a:r>
-              <a:rPr lang="en-US" dirty="0" smtClean="0"/>
-              <a:t>Azure</a:t>
+              <a:t>Microsoft Azure</a:t>
             </a:r>
             <a:endParaRPr lang="en-US" dirty="0"/>
           </a:p>
@@ -23343,11 +23264,7 @@
           <a:p>
             <a:r>
               <a:rPr lang="en-US" dirty="0" smtClean="0"/>
-              <a:t>Microsoft </a:t>
-            </a:r>
-            <a:r>
-              <a:rPr lang="en-US" dirty="0" smtClean="0"/>
-              <a:t>Azure</a:t>
+              <a:t>Microsoft Azure</a:t>
             </a:r>
             <a:endParaRPr lang="en-US" dirty="0"/>
           </a:p>
@@ -24455,11 +24372,7 @@
           <a:p>
             <a:r>
               <a:rPr lang="en-US" dirty="0" smtClean="0"/>
-              <a:t>Microsoft </a:t>
-            </a:r>
-            <a:r>
-              <a:rPr lang="en-US" dirty="0" smtClean="0"/>
-              <a:t>Azure</a:t>
+              <a:t>Microsoft Azure</a:t>
             </a:r>
             <a:endParaRPr lang="en-US" dirty="0"/>
           </a:p>
@@ -24580,11 +24493,7 @@
           <a:p>
             <a:r>
               <a:rPr lang="en-US" dirty="0" smtClean="0"/>
-              <a:t>Microsoft </a:t>
-            </a:r>
-            <a:r>
-              <a:rPr lang="en-US" dirty="0" smtClean="0"/>
-              <a:t>Azure</a:t>
+              <a:t>Microsoft Azure</a:t>
             </a:r>
             <a:endParaRPr lang="en-US" dirty="0"/>
           </a:p>
@@ -25197,11 +25106,7 @@
               </a:pPr>
               <a:r>
                 <a:rPr lang="en-US" sz="4000" kern="1200" baseline="0" dirty="0" smtClean="0"/>
-                <a:t>Microsoft </a:t>
-              </a:r>
-              <a:r>
-                <a:rPr lang="en-US" sz="4000" kern="1200" baseline="0" dirty="0" smtClean="0"/>
-                <a:t>Azure</a:t>
+                <a:t>Microsoft Azure</a:t>
               </a:r>
               <a:endParaRPr lang="en-US" sz="4000" kern="1200" dirty="0"/>
             </a:p>
@@ -26350,11 +26255,7 @@
               </a:pPr>
               <a:r>
                 <a:rPr lang="en-US" sz="4000" kern="1200" baseline="0" dirty="0" smtClean="0"/>
-                <a:t>Microsoft </a:t>
-              </a:r>
-              <a:r>
-                <a:rPr lang="en-US" sz="4000" kern="1200" baseline="0" dirty="0" smtClean="0"/>
-                <a:t>Azure</a:t>
+                <a:t>Microsoft Azure</a:t>
               </a:r>
               <a:endParaRPr lang="en-US" sz="4000" kern="1200" dirty="0"/>
             </a:p>
@@ -29101,7 +29002,23 @@
                   <a:schemeClr val="bg1"/>
                 </a:solidFill>
               </a:rPr>
-              <a:t>Azure Web Sites (10 free!)</a:t>
+              <a:t>Azure Web </a:t>
+            </a:r>
+            <a:r>
+              <a:rPr lang="en-US" sz="2800" dirty="0" smtClean="0">
+                <a:solidFill>
+                  <a:schemeClr val="bg1"/>
+                </a:solidFill>
+              </a:rPr>
+              <a:t>Apps (10 </a:t>
+            </a:r>
+            <a:r>
+              <a:rPr lang="en-US" sz="2800" dirty="0">
+                <a:solidFill>
+                  <a:schemeClr val="bg1"/>
+                </a:solidFill>
+              </a:rPr>
+              <a:t>free!)</a:t>
             </a:r>
           </a:p>
           <a:p>
@@ -29729,11 +29646,7 @@
           <a:p>
             <a:r>
               <a:rPr lang="en-US" dirty="0" smtClean="0"/>
-              <a:t>Microsoft </a:t>
-            </a:r>
-            <a:r>
-              <a:rPr lang="en-US" dirty="0" smtClean="0"/>
-              <a:t>Azure signup</a:t>
+              <a:t>Microsoft Azure signup</a:t>
             </a:r>
             <a:endParaRPr lang="en-US" dirty="0"/>
           </a:p>
@@ -29832,27 +29745,28 @@
       </p:grpSpPr>
       <p:pic>
         <p:nvPicPr>
-          <p:cNvPr id="5" name="Picture 4" descr="Purchase Options - Pricing - Windows Azure - Windows Internet Explorer - [InPrivate]"/>
+          <p:cNvPr id="5" name="Picture 4"/>
           <p:cNvPicPr>
             <a:picLocks noChangeAspect="1"/>
           </p:cNvPicPr>
           <p:nvPr/>
         </p:nvPicPr>
-        <p:blipFill rotWithShape="1">
-          <a:blip r:embed="rId2" cstate="print">
+        <p:blipFill>
+          <a:blip r:embed="rId2">
             <a:extLst>
               <a:ext uri="{28A0092B-C50C-407E-A947-70E740481C1C}">
                 <a14:useLocalDpi xmlns:a14="http://schemas.microsoft.com/office/drawing/2010/main" val="0"/>
               </a:ext>
             </a:extLst>
           </a:blip>
-          <a:srcRect/>
-          <a:stretch/>
+          <a:stretch>
+            <a:fillRect/>
+          </a:stretch>
         </p:blipFill>
         <p:spPr>
           <a:xfrm>
-            <a:off x="1589" y="0"/>
-            <a:ext cx="12234121" cy="6858000"/>
+            <a:off x="1590" y="0"/>
+            <a:ext cx="12202076" cy="6858000"/>
           </a:xfrm>
           <a:prstGeom prst="rect">
             <a:avLst/>

--- a/Presentation/Keynote/Keynote.pptx
+++ b/Presentation/Keynote/Keynote.pptx
@@ -11,7 +11,7 @@
     <p:sldMasterId id="2147483758" r:id="rId7"/>
   </p:sldMasterIdLst>
   <p:notesMasterIdLst>
-    <p:notesMasterId r:id="rId32"/>
+    <p:notesMasterId r:id="rId33"/>
   </p:notesMasterIdLst>
   <p:sldIdLst>
     <p:sldId id="257" r:id="rId8"/>
@@ -19,25 +19,26 @@
     <p:sldId id="270" r:id="rId10"/>
     <p:sldId id="271" r:id="rId11"/>
     <p:sldId id="272" r:id="rId12"/>
-    <p:sldId id="273" r:id="rId13"/>
+    <p:sldId id="301" r:id="rId13"/>
     <p:sldId id="276" r:id="rId14"/>
-    <p:sldId id="278" r:id="rId15"/>
+    <p:sldId id="300" r:id="rId15"/>
     <p:sldId id="279" r:id="rId16"/>
     <p:sldId id="280" r:id="rId17"/>
     <p:sldId id="281" r:id="rId18"/>
-    <p:sldId id="282" r:id="rId19"/>
-    <p:sldId id="283" r:id="rId20"/>
-    <p:sldId id="284" r:id="rId21"/>
-    <p:sldId id="285" r:id="rId22"/>
+    <p:sldId id="297" r:id="rId19"/>
+    <p:sldId id="284" r:id="rId20"/>
+    <p:sldId id="285" r:id="rId21"/>
+    <p:sldId id="298" r:id="rId22"/>
     <p:sldId id="286" r:id="rId23"/>
-    <p:sldId id="296" r:id="rId24"/>
-    <p:sldId id="295" r:id="rId25"/>
-    <p:sldId id="291" r:id="rId26"/>
-    <p:sldId id="292" r:id="rId27"/>
-    <p:sldId id="293" r:id="rId28"/>
-    <p:sldId id="294" r:id="rId29"/>
-    <p:sldId id="289" r:id="rId30"/>
-    <p:sldId id="263" r:id="rId31"/>
+    <p:sldId id="299" r:id="rId24"/>
+    <p:sldId id="296" r:id="rId25"/>
+    <p:sldId id="295" r:id="rId26"/>
+    <p:sldId id="291" r:id="rId27"/>
+    <p:sldId id="292" r:id="rId28"/>
+    <p:sldId id="293" r:id="rId29"/>
+    <p:sldId id="294" r:id="rId30"/>
+    <p:sldId id="289" r:id="rId31"/>
+    <p:sldId id="263" r:id="rId32"/>
   </p:sldIdLst>
   <p:sldSz cx="12192000" cy="6858000"/>
   <p:notesSz cx="6858000" cy="9144000"/>
@@ -229,7 +230,7 @@
           <a:p>
             <a:fld id="{0E990FE3-7537-4D15-A9F5-FDF1805FD5F8}" type="datetimeFigureOut">
               <a:rPr lang="en-US" smtClean="0"/>
-              <a:t>6/5/2015</a:t>
+              <a:t>12/06/2015</a:t>
             </a:fld>
             <a:endParaRPr lang="en-US"/>
           </a:p>
@@ -916,7 +917,7 @@
     </p:spTree>
     <p:extLst>
       <p:ext uri="{BB962C8B-B14F-4D97-AF65-F5344CB8AC3E}">
-        <p14:creationId xmlns:p14="http://schemas.microsoft.com/office/powerpoint/2010/main" val="2164494520"/>
+        <p14:creationId xmlns:p14="http://schemas.microsoft.com/office/powerpoint/2010/main" val="1414834720"/>
       </p:ext>
     </p:extLst>
   </p:cSld>
@@ -1386,7 +1387,7 @@
           <a:p>
             <a:fld id="{50A28030-5D59-4E14-AFE9-B93D391AF3AF}" type="datetime1">
               <a:rPr lang="en-US" smtClean="0"/>
-              <a:t>6/5/2015</a:t>
+              <a:t>12/06/2015</a:t>
             </a:fld>
             <a:endParaRPr lang="en-US" dirty="0"/>
           </a:p>
@@ -1410,7 +1411,7 @@
             <a:fld id="{B4008EB6-D09E-4580-8CD6-DDB14511944F}" type="slidenum">
               <a:rPr lang="en-US" smtClean="0"/>
               <a:pPr/>
-              <a:t>17</a:t>
+              <a:t>18</a:t>
             </a:fld>
             <a:endParaRPr lang="en-US" dirty="0"/>
           </a:p>
@@ -1495,7 +1496,7 @@
             <a:fld id="{82AABF77-E2E4-44CA-BA5C-65E132CF08D8}" type="slidenum">
               <a:rPr lang="en-US" smtClean="0"/>
               <a:pPr/>
-              <a:t>22</a:t>
+              <a:t>23</a:t>
             </a:fld>
             <a:endParaRPr lang="en-US" dirty="0"/>
           </a:p>
@@ -1580,7 +1581,7 @@
             <a:fld id="{82AABF77-E2E4-44CA-BA5C-65E132CF08D8}" type="slidenum">
               <a:rPr lang="en-US" smtClean="0"/>
               <a:pPr/>
-              <a:t>23</a:t>
+              <a:t>24</a:t>
             </a:fld>
             <a:endParaRPr lang="en-US" dirty="0"/>
           </a:p>
@@ -21314,6 +21315,14 @@
 <file path=ppt/slides/slide11.xml><?xml version="1.0" encoding="utf-8"?>
 <p:sld xmlns:a="http://schemas.openxmlformats.org/drawingml/2006/main" xmlns:r="http://schemas.openxmlformats.org/officeDocument/2006/relationships" xmlns:p="http://schemas.openxmlformats.org/presentationml/2006/main">
   <p:cSld>
+    <p:bg>
+      <p:bgPr>
+        <a:solidFill>
+          <a:srgbClr val="EEEEEE"/>
+        </a:solidFill>
+        <a:effectLst/>
+      </p:bgPr>
+    </p:bg>
     <p:spTree>
       <p:nvGrpSpPr>
         <p:cNvPr id="1" name=""/>
@@ -21330,28 +21339,22 @@
       </p:grpSpPr>
       <p:pic>
         <p:nvPicPr>
-          <p:cNvPr id="2" name="Picture 1" descr="Windows Azure - Windows Internet Explorer - [InPrivate]"/>
+          <p:cNvPr id="3" name="Picture 2"/>
           <p:cNvPicPr>
             <a:picLocks noChangeAspect="1"/>
           </p:cNvPicPr>
           <p:nvPr/>
         </p:nvPicPr>
         <p:blipFill>
-          <a:blip r:embed="rId2">
-            <a:extLst>
-              <a:ext uri="{28A0092B-C50C-407E-A947-70E740481C1C}">
-                <a14:useLocalDpi xmlns:a14="http://schemas.microsoft.com/office/drawing/2010/main" val="0"/>
-              </a:ext>
-            </a:extLst>
-          </a:blip>
+          <a:blip r:embed="rId2"/>
           <a:stretch>
             <a:fillRect/>
           </a:stretch>
         </p:blipFill>
         <p:spPr>
           <a:xfrm>
-            <a:off x="1589" y="125346"/>
-            <a:ext cx="12188825" cy="6607309"/>
+            <a:off x="1928320" y="0"/>
+            <a:ext cx="8335361" cy="6859308"/>
           </a:xfrm>
           <a:prstGeom prst="rect">
             <a:avLst/>
@@ -21389,6 +21392,14 @@
 <file path=ppt/slides/slide12.xml><?xml version="1.0" encoding="utf-8"?>
 <p:sld xmlns:a="http://schemas.openxmlformats.org/drawingml/2006/main" xmlns:r="http://schemas.openxmlformats.org/officeDocument/2006/relationships" xmlns:p="http://schemas.openxmlformats.org/presentationml/2006/main">
   <p:cSld>
+    <p:bg>
+      <p:bgPr>
+        <a:solidFill>
+          <a:srgbClr val="EEEEEE"/>
+        </a:solidFill>
+        <a:effectLst/>
+      </p:bgPr>
+    </p:bg>
     <p:spTree>
       <p:nvGrpSpPr>
         <p:cNvPr id="1" name=""/>
@@ -21405,28 +21416,22 @@
       </p:grpSpPr>
       <p:pic>
         <p:nvPicPr>
-          <p:cNvPr id="2" name="Picture 1" descr="Windows Azure - Windows Internet Explorer - [InPrivate]"/>
+          <p:cNvPr id="5" name="Picture 4"/>
           <p:cNvPicPr>
             <a:picLocks noChangeAspect="1"/>
           </p:cNvPicPr>
           <p:nvPr/>
         </p:nvPicPr>
         <p:blipFill>
-          <a:blip r:embed="rId2">
-            <a:extLst>
-              <a:ext uri="{28A0092B-C50C-407E-A947-70E740481C1C}">
-                <a14:useLocalDpi xmlns:a14="http://schemas.microsoft.com/office/drawing/2010/main" val="0"/>
-              </a:ext>
-            </a:extLst>
-          </a:blip>
+          <a:blip r:embed="rId2"/>
           <a:stretch>
             <a:fillRect/>
           </a:stretch>
         </p:blipFill>
         <p:spPr>
           <a:xfrm>
-            <a:off x="1589" y="125346"/>
-            <a:ext cx="12188825" cy="6607309"/>
+            <a:off x="2649047" y="0"/>
+            <a:ext cx="6893906" cy="6858000"/>
           </a:xfrm>
           <a:prstGeom prst="rect">
             <a:avLst/>
@@ -21436,7 +21441,7 @@
     </p:spTree>
     <p:extLst>
       <p:ext uri="{BB962C8B-B14F-4D97-AF65-F5344CB8AC3E}">
-        <p14:creationId xmlns:p14="http://schemas.microsoft.com/office/powerpoint/2010/main" val="2455823008"/>
+        <p14:creationId xmlns:p14="http://schemas.microsoft.com/office/powerpoint/2010/main" val="1417181219"/>
       </p:ext>
     </p:extLst>
   </p:cSld>
@@ -21464,6 +21469,14 @@
 <file path=ppt/slides/slide13.xml><?xml version="1.0" encoding="utf-8"?>
 <p:sld xmlns:a="http://schemas.openxmlformats.org/drawingml/2006/main" xmlns:r="http://schemas.openxmlformats.org/officeDocument/2006/relationships" xmlns:p="http://schemas.openxmlformats.org/presentationml/2006/main">
   <p:cSld>
+    <p:bg>
+      <p:bgPr>
+        <a:solidFill>
+          <a:srgbClr val="EEEEEE"/>
+        </a:solidFill>
+        <a:effectLst/>
+      </p:bgPr>
+    </p:bg>
     <p:spTree>
       <p:nvGrpSpPr>
         <p:cNvPr id="1" name=""/>
@@ -21480,28 +21493,22 @@
       </p:grpSpPr>
       <p:pic>
         <p:nvPicPr>
-          <p:cNvPr id="2" name="Picture 1" descr="Windows Azure - Windows Internet Explorer - [InPrivate]"/>
+          <p:cNvPr id="3" name="Picture 2"/>
           <p:cNvPicPr>
             <a:picLocks noChangeAspect="1"/>
           </p:cNvPicPr>
           <p:nvPr/>
         </p:nvPicPr>
         <p:blipFill>
-          <a:blip r:embed="rId2">
-            <a:extLst>
-              <a:ext uri="{28A0092B-C50C-407E-A947-70E740481C1C}">
-                <a14:useLocalDpi xmlns:a14="http://schemas.microsoft.com/office/drawing/2010/main" val="0"/>
-              </a:ext>
-            </a:extLst>
-          </a:blip>
+          <a:blip r:embed="rId2"/>
           <a:stretch>
             <a:fillRect/>
           </a:stretch>
         </p:blipFill>
         <p:spPr>
           <a:xfrm>
-            <a:off x="1589" y="125346"/>
-            <a:ext cx="12188825" cy="6607309"/>
+            <a:off x="1659558" y="0"/>
+            <a:ext cx="8872884" cy="6858000"/>
           </a:xfrm>
           <a:prstGeom prst="rect">
             <a:avLst/>
@@ -21511,7 +21518,7 @@
     </p:spTree>
     <p:extLst>
       <p:ext uri="{BB962C8B-B14F-4D97-AF65-F5344CB8AC3E}">
-        <p14:creationId xmlns:p14="http://schemas.microsoft.com/office/powerpoint/2010/main" val="1513984188"/>
+        <p14:creationId xmlns:p14="http://schemas.microsoft.com/office/powerpoint/2010/main" val="256178340"/>
       </p:ext>
     </p:extLst>
   </p:cSld>
@@ -21555,28 +21562,21 @@
       </p:grpSpPr>
       <p:pic>
         <p:nvPicPr>
-          <p:cNvPr id="2" name="Picture 1" descr="Windows Azure - Windows Internet Explorer - [InPrivate]"/>
+          <p:cNvPr id="3" name="Picture 2"/>
           <p:cNvPicPr>
             <a:picLocks noChangeAspect="1"/>
           </p:cNvPicPr>
           <p:nvPr/>
         </p:nvPicPr>
-        <p:blipFill>
-          <a:blip r:embed="rId2">
-            <a:extLst>
-              <a:ext uri="{28A0092B-C50C-407E-A947-70E740481C1C}">
-                <a14:useLocalDpi xmlns:a14="http://schemas.microsoft.com/office/drawing/2010/main" val="0"/>
-              </a:ext>
-            </a:extLst>
-          </a:blip>
-          <a:stretch>
-            <a:fillRect/>
-          </a:stretch>
+        <p:blipFill rotWithShape="1">
+          <a:blip r:embed="rId2"/>
+          <a:srcRect r="12531"/>
+          <a:stretch/>
         </p:blipFill>
         <p:spPr>
           <a:xfrm>
-            <a:off x="1589" y="125346"/>
-            <a:ext cx="12188825" cy="6607309"/>
+            <a:off x="131771" y="0"/>
+            <a:ext cx="12060229" cy="6858001"/>
           </a:xfrm>
           <a:prstGeom prst="rect">
             <a:avLst/>
@@ -21586,7 +21586,7 @@
     </p:spTree>
     <p:extLst>
       <p:ext uri="{BB962C8B-B14F-4D97-AF65-F5344CB8AC3E}">
-        <p14:creationId xmlns:p14="http://schemas.microsoft.com/office/powerpoint/2010/main" val="256178340"/>
+        <p14:creationId xmlns:p14="http://schemas.microsoft.com/office/powerpoint/2010/main" val="306929937"/>
       </p:ext>
     </p:extLst>
   </p:cSld>
@@ -21630,28 +21630,21 @@
       </p:grpSpPr>
       <p:pic>
         <p:nvPicPr>
-          <p:cNvPr id="2" name="Picture 1" descr="Windows Azure - Windows Internet Explorer - [InPrivate]"/>
+          <p:cNvPr id="4" name="Picture 3"/>
           <p:cNvPicPr>
             <a:picLocks noChangeAspect="1"/>
           </p:cNvPicPr>
           <p:nvPr/>
         </p:nvPicPr>
-        <p:blipFill>
-          <a:blip r:embed="rId2">
-            <a:extLst>
-              <a:ext uri="{28A0092B-C50C-407E-A947-70E740481C1C}">
-                <a14:useLocalDpi xmlns:a14="http://schemas.microsoft.com/office/drawing/2010/main" val="0"/>
-              </a:ext>
-            </a:extLst>
-          </a:blip>
-          <a:stretch>
-            <a:fillRect/>
-          </a:stretch>
+        <p:blipFill rotWithShape="1">
+          <a:blip r:embed="rId2"/>
+          <a:srcRect r="12530"/>
+          <a:stretch/>
         </p:blipFill>
         <p:spPr>
           <a:xfrm>
-            <a:off x="1589" y="125346"/>
-            <a:ext cx="12188825" cy="6607309"/>
+            <a:off x="131771" y="0"/>
+            <a:ext cx="12060229" cy="6858000"/>
           </a:xfrm>
           <a:prstGeom prst="rect">
             <a:avLst/>
@@ -21661,7 +21654,7 @@
     </p:spTree>
     <p:extLst>
       <p:ext uri="{BB962C8B-B14F-4D97-AF65-F5344CB8AC3E}">
-        <p14:creationId xmlns:p14="http://schemas.microsoft.com/office/powerpoint/2010/main" val="306929937"/>
+        <p14:creationId xmlns:p14="http://schemas.microsoft.com/office/powerpoint/2010/main" val="2778556036"/>
       </p:ext>
     </p:extLst>
   </p:cSld>
@@ -21705,28 +21698,21 @@
       </p:grpSpPr>
       <p:pic>
         <p:nvPicPr>
-          <p:cNvPr id="3" name="Picture 2" descr="Windows Azure - Windows Internet Explorer - [InPrivate]"/>
+          <p:cNvPr id="4" name="Picture 3"/>
           <p:cNvPicPr>
             <a:picLocks noChangeAspect="1"/>
           </p:cNvPicPr>
           <p:nvPr/>
         </p:nvPicPr>
-        <p:blipFill>
-          <a:blip r:embed="rId2">
-            <a:extLst>
-              <a:ext uri="{28A0092B-C50C-407E-A947-70E740481C1C}">
-                <a14:useLocalDpi xmlns:a14="http://schemas.microsoft.com/office/drawing/2010/main" val="0"/>
-              </a:ext>
-            </a:extLst>
-          </a:blip>
-          <a:stretch>
-            <a:fillRect/>
-          </a:stretch>
+        <p:blipFill rotWithShape="1">
+          <a:blip r:embed="rId2"/>
+          <a:srcRect r="12668"/>
+          <a:stretch/>
         </p:blipFill>
         <p:spPr>
           <a:xfrm>
-            <a:off x="1589" y="125346"/>
-            <a:ext cx="12188825" cy="6607309"/>
+            <a:off x="131773" y="0"/>
+            <a:ext cx="12041178" cy="6858000"/>
           </a:xfrm>
           <a:prstGeom prst="rect">
             <a:avLst/>
@@ -21762,6 +21748,74 @@
 </file>
 
 <file path=ppt/slides/slide17.xml><?xml version="1.0" encoding="utf-8"?>
+<p:sld xmlns:a="http://schemas.openxmlformats.org/drawingml/2006/main" xmlns:r="http://schemas.openxmlformats.org/officeDocument/2006/relationships" xmlns:p="http://schemas.openxmlformats.org/presentationml/2006/main">
+  <p:cSld>
+    <p:spTree>
+      <p:nvGrpSpPr>
+        <p:cNvPr id="1" name=""/>
+        <p:cNvGrpSpPr/>
+        <p:nvPr/>
+      </p:nvGrpSpPr>
+      <p:grpSpPr>
+        <a:xfrm>
+          <a:off x="0" y="0"/>
+          <a:ext cx="0" cy="0"/>
+          <a:chOff x="0" y="0"/>
+          <a:chExt cx="0" cy="0"/>
+        </a:xfrm>
+      </p:grpSpPr>
+      <p:pic>
+        <p:nvPicPr>
+          <p:cNvPr id="4" name="Picture 3"/>
+          <p:cNvPicPr>
+            <a:picLocks noChangeAspect="1"/>
+          </p:cNvPicPr>
+          <p:nvPr/>
+        </p:nvPicPr>
+        <p:blipFill rotWithShape="1">
+          <a:blip r:embed="rId2"/>
+          <a:srcRect r="12411"/>
+          <a:stretch/>
+        </p:blipFill>
+        <p:spPr>
+          <a:xfrm>
+            <a:off x="115443" y="0"/>
+            <a:ext cx="12076557" cy="6858000"/>
+          </a:xfrm>
+          <a:prstGeom prst="rect">
+            <a:avLst/>
+          </a:prstGeom>
+        </p:spPr>
+      </p:pic>
+    </p:spTree>
+    <p:extLst>
+      <p:ext uri="{BB962C8B-B14F-4D97-AF65-F5344CB8AC3E}">
+        <p14:creationId xmlns:p14="http://schemas.microsoft.com/office/powerpoint/2010/main" val="2273690535"/>
+      </p:ext>
+    </p:extLst>
+  </p:cSld>
+  <p:clrMapOvr>
+    <a:masterClrMapping/>
+  </p:clrMapOvr>
+  <mc:AlternateContent xmlns:mc="http://schemas.openxmlformats.org/markup-compatibility/2006" xmlns:p14="http://schemas.microsoft.com/office/powerpoint/2010/main">
+    <mc:Choice Requires="p14">
+      <p:transition spd="slow" p14:dur="2000"/>
+    </mc:Choice>
+    <mc:Fallback xmlns="">
+      <p:transition spd="slow"/>
+    </mc:Fallback>
+  </mc:AlternateContent>
+  <p:timing>
+    <p:tnLst>
+      <p:par>
+        <p:cTn id="1" dur="indefinite" restart="never" nodeType="tmRoot"/>
+      </p:par>
+    </p:tnLst>
+  </p:timing>
+</p:sld>
+</file>
+
+<file path=ppt/slides/slide18.xml><?xml version="1.0" encoding="utf-8"?>
 <p:sld xmlns:a="http://schemas.openxmlformats.org/drawingml/2006/main" xmlns:r="http://schemas.openxmlformats.org/officeDocument/2006/relationships" xmlns:p="http://schemas.openxmlformats.org/presentationml/2006/main">
   <p:cSld>
     <p:spTree>
@@ -23102,7 +23156,7 @@
 </p:sld>
 </file>
 
-<file path=ppt/slides/slide18.xml><?xml version="1.0" encoding="utf-8"?>
+<file path=ppt/slides/slide19.xml><?xml version="1.0" encoding="utf-8"?>
 <p:sld xmlns:a="http://schemas.openxmlformats.org/drawingml/2006/main" xmlns:r="http://schemas.openxmlformats.org/officeDocument/2006/relationships" xmlns:p="http://schemas.openxmlformats.org/presentationml/2006/main">
   <p:cSld>
     <p:bg>
@@ -23196,7 +23250,7 @@
           <a:p>
             <a:fld id="{0A164282-434E-41D4-9582-783D542A7B68}" type="slidenum">
               <a:rPr lang="en-US" smtClean="0"/>
-              <a:t>18</a:t>
+              <a:t>19</a:t>
             </a:fld>
             <a:endParaRPr lang="en-US"/>
           </a:p>
@@ -23206,127 +23260,6 @@
     <p:extLst>
       <p:ext uri="{BB962C8B-B14F-4D97-AF65-F5344CB8AC3E}">
         <p14:creationId xmlns:p14="http://schemas.microsoft.com/office/powerpoint/2010/main" val="956239148"/>
-      </p:ext>
-    </p:extLst>
-  </p:cSld>
-  <p:clrMapOvr>
-    <a:masterClrMapping/>
-  </p:clrMapOvr>
-  <p:timing>
-    <p:tnLst>
-      <p:par>
-        <p:cTn id="1" dur="indefinite" restart="never" nodeType="tmRoot"/>
-      </p:par>
-    </p:tnLst>
-  </p:timing>
-</p:sld>
-</file>
-
-<file path=ppt/slides/slide19.xml><?xml version="1.0" encoding="utf-8"?>
-<p:sld xmlns:a="http://schemas.openxmlformats.org/drawingml/2006/main" xmlns:r="http://schemas.openxmlformats.org/officeDocument/2006/relationships" xmlns:p="http://schemas.openxmlformats.org/presentationml/2006/main">
-  <p:cSld>
-    <p:bg>
-      <p:bgPr>
-        <a:solidFill>
-          <a:srgbClr val="00518E"/>
-        </a:solidFill>
-        <a:effectLst/>
-      </p:bgPr>
-    </p:bg>
-    <p:spTree>
-      <p:nvGrpSpPr>
-        <p:cNvPr id="1" name=""/>
-        <p:cNvGrpSpPr/>
-        <p:nvPr/>
-      </p:nvGrpSpPr>
-      <p:grpSpPr>
-        <a:xfrm>
-          <a:off x="0" y="0"/>
-          <a:ext cx="0" cy="0"/>
-          <a:chOff x="0" y="0"/>
-          <a:chExt cx="0" cy="0"/>
-        </a:xfrm>
-      </p:grpSpPr>
-      <p:sp>
-        <p:nvSpPr>
-          <p:cNvPr id="2" name="Title 1"/>
-          <p:cNvSpPr>
-            <a:spLocks noGrp="1"/>
-          </p:cNvSpPr>
-          <p:nvPr>
-            <p:ph type="title"/>
-          </p:nvPr>
-        </p:nvSpPr>
-        <p:spPr/>
-        <p:txBody>
-          <a:bodyPr/>
-          <a:lstStyle/>
-          <a:p>
-            <a:r>
-              <a:rPr lang="en-US" dirty="0" smtClean="0"/>
-              <a:t>Microsoft Azure</a:t>
-            </a:r>
-            <a:endParaRPr lang="en-US" dirty="0"/>
-          </a:p>
-        </p:txBody>
-      </p:sp>
-      <p:sp>
-        <p:nvSpPr>
-          <p:cNvPr id="4" name="Slide Number Placeholder 3"/>
-          <p:cNvSpPr>
-            <a:spLocks noGrp="1"/>
-          </p:cNvSpPr>
-          <p:nvPr>
-            <p:ph type="sldNum" sz="quarter" idx="12"/>
-          </p:nvPr>
-        </p:nvSpPr>
-        <p:spPr/>
-        <p:txBody>
-          <a:bodyPr/>
-          <a:lstStyle/>
-          <a:p>
-            <a:fld id="{0A164282-434E-41D4-9582-783D542A7B68}" type="slidenum">
-              <a:rPr lang="en-US" smtClean="0"/>
-              <a:t>19</a:t>
-            </a:fld>
-            <a:endParaRPr lang="en-US"/>
-          </a:p>
-        </p:txBody>
-      </p:sp>
-      <p:pic>
-        <p:nvPicPr>
-          <p:cNvPr id="3" name="Picture 2"/>
-          <p:cNvPicPr>
-            <a:picLocks noChangeAspect="1"/>
-          </p:cNvPicPr>
-          <p:nvPr/>
-        </p:nvPicPr>
-        <p:blipFill>
-          <a:blip r:embed="rId2">
-            <a:extLst>
-              <a:ext uri="{28A0092B-C50C-407E-A947-70E740481C1C}">
-                <a14:useLocalDpi xmlns:a14="http://schemas.microsoft.com/office/drawing/2010/main" val="0"/>
-              </a:ext>
-            </a:extLst>
-          </a:blip>
-          <a:stretch>
-            <a:fillRect/>
-          </a:stretch>
-        </p:blipFill>
-        <p:spPr>
-          <a:xfrm>
-            <a:off x="560798" y="2429299"/>
-            <a:ext cx="10591278" cy="2697466"/>
-          </a:xfrm>
-          <a:prstGeom prst="rect">
-            <a:avLst/>
-          </a:prstGeom>
-        </p:spPr>
-      </p:pic>
-    </p:spTree>
-    <p:extLst>
-      <p:ext uri="{BB962C8B-B14F-4D97-AF65-F5344CB8AC3E}">
-        <p14:creationId xmlns:p14="http://schemas.microsoft.com/office/powerpoint/2010/main" val="3568708487"/>
       </p:ext>
     </p:extLst>
   </p:cSld>
@@ -24403,7 +24336,7 @@
       </p:sp>
       <p:pic>
         <p:nvPicPr>
-          <p:cNvPr id="5" name="Picture 4"/>
+          <p:cNvPr id="3" name="Picture 2"/>
           <p:cNvPicPr>
             <a:picLocks noChangeAspect="1"/>
           </p:cNvPicPr>
@@ -24423,8 +24356,8 @@
         </p:blipFill>
         <p:spPr>
           <a:xfrm>
-            <a:off x="455432" y="2697112"/>
-            <a:ext cx="11185188" cy="2604050"/>
+            <a:off x="560798" y="2429299"/>
+            <a:ext cx="10591278" cy="2697466"/>
           </a:xfrm>
           <a:prstGeom prst="rect">
             <a:avLst/>
@@ -24434,7 +24367,7 @@
     </p:spTree>
     <p:extLst>
       <p:ext uri="{BB962C8B-B14F-4D97-AF65-F5344CB8AC3E}">
-        <p14:creationId xmlns:p14="http://schemas.microsoft.com/office/powerpoint/2010/main" val="2861930090"/>
+        <p14:creationId xmlns:p14="http://schemas.microsoft.com/office/powerpoint/2010/main" val="3568708487"/>
       </p:ext>
     </p:extLst>
   </p:cSld>
@@ -24544,6 +24477,127 @@
         </p:blipFill>
         <p:spPr>
           <a:xfrm>
+            <a:off x="455432" y="2697112"/>
+            <a:ext cx="11185188" cy="2604050"/>
+          </a:xfrm>
+          <a:prstGeom prst="rect">
+            <a:avLst/>
+          </a:prstGeom>
+        </p:spPr>
+      </p:pic>
+    </p:spTree>
+    <p:extLst>
+      <p:ext uri="{BB962C8B-B14F-4D97-AF65-F5344CB8AC3E}">
+        <p14:creationId xmlns:p14="http://schemas.microsoft.com/office/powerpoint/2010/main" val="2861930090"/>
+      </p:ext>
+    </p:extLst>
+  </p:cSld>
+  <p:clrMapOvr>
+    <a:masterClrMapping/>
+  </p:clrMapOvr>
+  <p:timing>
+    <p:tnLst>
+      <p:par>
+        <p:cTn id="1" dur="indefinite" restart="never" nodeType="tmRoot"/>
+      </p:par>
+    </p:tnLst>
+  </p:timing>
+</p:sld>
+</file>
+
+<file path=ppt/slides/slide22.xml><?xml version="1.0" encoding="utf-8"?>
+<p:sld xmlns:a="http://schemas.openxmlformats.org/drawingml/2006/main" xmlns:r="http://schemas.openxmlformats.org/officeDocument/2006/relationships" xmlns:p="http://schemas.openxmlformats.org/presentationml/2006/main">
+  <p:cSld>
+    <p:bg>
+      <p:bgPr>
+        <a:solidFill>
+          <a:srgbClr val="00518E"/>
+        </a:solidFill>
+        <a:effectLst/>
+      </p:bgPr>
+    </p:bg>
+    <p:spTree>
+      <p:nvGrpSpPr>
+        <p:cNvPr id="1" name=""/>
+        <p:cNvGrpSpPr/>
+        <p:nvPr/>
+      </p:nvGrpSpPr>
+      <p:grpSpPr>
+        <a:xfrm>
+          <a:off x="0" y="0"/>
+          <a:ext cx="0" cy="0"/>
+          <a:chOff x="0" y="0"/>
+          <a:chExt cx="0" cy="0"/>
+        </a:xfrm>
+      </p:grpSpPr>
+      <p:sp>
+        <p:nvSpPr>
+          <p:cNvPr id="2" name="Title 1"/>
+          <p:cNvSpPr>
+            <a:spLocks noGrp="1"/>
+          </p:cNvSpPr>
+          <p:nvPr>
+            <p:ph type="title"/>
+          </p:nvPr>
+        </p:nvSpPr>
+        <p:spPr/>
+        <p:txBody>
+          <a:bodyPr/>
+          <a:lstStyle/>
+          <a:p>
+            <a:r>
+              <a:rPr lang="en-US" dirty="0" smtClean="0"/>
+              <a:t>Microsoft Azure</a:t>
+            </a:r>
+            <a:endParaRPr lang="en-US" dirty="0"/>
+          </a:p>
+        </p:txBody>
+      </p:sp>
+      <p:sp>
+        <p:nvSpPr>
+          <p:cNvPr id="4" name="Slide Number Placeholder 3"/>
+          <p:cNvSpPr>
+            <a:spLocks noGrp="1"/>
+          </p:cNvSpPr>
+          <p:nvPr>
+            <p:ph type="sldNum" sz="quarter" idx="12"/>
+          </p:nvPr>
+        </p:nvSpPr>
+        <p:spPr/>
+        <p:txBody>
+          <a:bodyPr/>
+          <a:lstStyle/>
+          <a:p>
+            <a:fld id="{0A164282-434E-41D4-9582-783D542A7B68}" type="slidenum">
+              <a:rPr lang="en-US" smtClean="0"/>
+              <a:t>22</a:t>
+            </a:fld>
+            <a:endParaRPr lang="en-US"/>
+          </a:p>
+        </p:txBody>
+      </p:sp>
+      <p:pic>
+        <p:nvPicPr>
+          <p:cNvPr id="5" name="Picture 4"/>
+          <p:cNvPicPr>
+            <a:picLocks noChangeAspect="1"/>
+          </p:cNvPicPr>
+          <p:nvPr/>
+        </p:nvPicPr>
+        <p:blipFill>
+          <a:blip r:embed="rId2">
+            <a:extLst>
+              <a:ext uri="{28A0092B-C50C-407E-A947-70E740481C1C}">
+                <a14:useLocalDpi xmlns:a14="http://schemas.microsoft.com/office/drawing/2010/main" val="0"/>
+              </a:ext>
+            </a:extLst>
+          </a:blip>
+          <a:stretch>
+            <a:fillRect/>
+          </a:stretch>
+        </p:blipFill>
+        <p:spPr>
+          <a:xfrm>
             <a:off x="900774" y="2330998"/>
             <a:ext cx="10739846" cy="2533934"/>
           </a:xfrm>
@@ -24572,7 +24626,7 @@
 </p:sld>
 </file>
 
-<file path=ppt/slides/slide22.xml><?xml version="1.0" encoding="utf-8"?>
+<file path=ppt/slides/slide23.xml><?xml version="1.0" encoding="utf-8"?>
 <p:sld xmlns:a="http://schemas.openxmlformats.org/drawingml/2006/main" xmlns:r="http://schemas.openxmlformats.org/officeDocument/2006/relationships" xmlns:p="http://schemas.openxmlformats.org/presentationml/2006/main">
   <p:cSld>
     <p:spTree>
@@ -25145,7 +25199,7 @@
 </p:sld>
 </file>
 
-<file path=ppt/slides/slide23.xml><?xml version="1.0" encoding="utf-8"?>
+<file path=ppt/slides/slide24.xml><?xml version="1.0" encoding="utf-8"?>
 <p:sld xmlns:a="http://schemas.openxmlformats.org/drawingml/2006/main" xmlns:r="http://schemas.openxmlformats.org/officeDocument/2006/relationships" xmlns:p="http://schemas.openxmlformats.org/presentationml/2006/main">
   <p:cSld>
     <p:spTree>
@@ -25662,7 +25716,7 @@
 </p:sld>
 </file>
 
-<file path=ppt/slides/slide24.xml><?xml version="1.0" encoding="utf-8"?>
+<file path=ppt/slides/slide25.xml><?xml version="1.0" encoding="utf-8"?>
 <p:sld xmlns:a="http://schemas.openxmlformats.org/drawingml/2006/main" xmlns:r="http://schemas.openxmlformats.org/officeDocument/2006/relationships" xmlns:p="http://schemas.openxmlformats.org/presentationml/2006/main">
   <p:cSld>
     <p:bg>
@@ -28892,7 +28946,7 @@
     </p:spTree>
     <p:extLst>
       <p:ext uri="{BB962C8B-B14F-4D97-AF65-F5344CB8AC3E}">
-        <p14:creationId xmlns:p14="http://schemas.microsoft.com/office/powerpoint/2010/main" val="2195419122"/>
+        <p14:creationId xmlns:p14="http://schemas.microsoft.com/office/powerpoint/2010/main" val="3206253841"/>
       </p:ext>
     </p:extLst>
   </p:cSld>
@@ -29706,7 +29760,7 @@
     </p:spTree>
     <p:extLst>
       <p:ext uri="{BB962C8B-B14F-4D97-AF65-F5344CB8AC3E}">
-        <p14:creationId xmlns:p14="http://schemas.microsoft.com/office/powerpoint/2010/main" val="1167887893"/>
+        <p14:creationId xmlns:p14="http://schemas.microsoft.com/office/powerpoint/2010/main" val="948199260"/>
       </p:ext>
     </p:extLst>
   </p:cSld>

--- a/Presentation/Keynote/Keynote.pptx
+++ b/Presentation/Keynote/Keynote.pptx
@@ -11,7 +11,7 @@
     <p:sldMasterId id="2147483758" r:id="rId7"/>
   </p:sldMasterIdLst>
   <p:notesMasterIdLst>
-    <p:notesMasterId r:id="rId33"/>
+    <p:notesMasterId r:id="rId32"/>
   </p:notesMasterIdLst>
   <p:sldIdLst>
     <p:sldId id="257" r:id="rId8"/>
@@ -19,26 +19,25 @@
     <p:sldId id="270" r:id="rId10"/>
     <p:sldId id="271" r:id="rId11"/>
     <p:sldId id="272" r:id="rId12"/>
-    <p:sldId id="301" r:id="rId13"/>
+    <p:sldId id="273" r:id="rId13"/>
     <p:sldId id="276" r:id="rId14"/>
-    <p:sldId id="300" r:id="rId15"/>
+    <p:sldId id="278" r:id="rId15"/>
     <p:sldId id="279" r:id="rId16"/>
     <p:sldId id="280" r:id="rId17"/>
     <p:sldId id="281" r:id="rId18"/>
-    <p:sldId id="297" r:id="rId19"/>
-    <p:sldId id="284" r:id="rId20"/>
-    <p:sldId id="285" r:id="rId21"/>
-    <p:sldId id="298" r:id="rId22"/>
+    <p:sldId id="282" r:id="rId19"/>
+    <p:sldId id="283" r:id="rId20"/>
+    <p:sldId id="284" r:id="rId21"/>
+    <p:sldId id="285" r:id="rId22"/>
     <p:sldId id="286" r:id="rId23"/>
-    <p:sldId id="299" r:id="rId24"/>
-    <p:sldId id="296" r:id="rId25"/>
-    <p:sldId id="295" r:id="rId26"/>
-    <p:sldId id="291" r:id="rId27"/>
-    <p:sldId id="292" r:id="rId28"/>
-    <p:sldId id="293" r:id="rId29"/>
-    <p:sldId id="294" r:id="rId30"/>
-    <p:sldId id="289" r:id="rId31"/>
-    <p:sldId id="263" r:id="rId32"/>
+    <p:sldId id="296" r:id="rId24"/>
+    <p:sldId id="295" r:id="rId25"/>
+    <p:sldId id="291" r:id="rId26"/>
+    <p:sldId id="292" r:id="rId27"/>
+    <p:sldId id="293" r:id="rId28"/>
+    <p:sldId id="294" r:id="rId29"/>
+    <p:sldId id="289" r:id="rId30"/>
+    <p:sldId id="263" r:id="rId31"/>
   </p:sldIdLst>
   <p:sldSz cx="12192000" cy="6858000"/>
   <p:notesSz cx="6858000" cy="9144000"/>
@@ -230,7 +229,7 @@
           <a:p>
             <a:fld id="{0E990FE3-7537-4D15-A9F5-FDF1805FD5F8}" type="datetimeFigureOut">
               <a:rPr lang="en-US" smtClean="0"/>
-              <a:t>12/06/2015</a:t>
+              <a:t>10/10/2015</a:t>
             </a:fld>
             <a:endParaRPr lang="en-US"/>
           </a:p>
@@ -917,7 +916,7 @@
     </p:spTree>
     <p:extLst>
       <p:ext uri="{BB962C8B-B14F-4D97-AF65-F5344CB8AC3E}">
-        <p14:creationId xmlns:p14="http://schemas.microsoft.com/office/powerpoint/2010/main" val="1414834720"/>
+        <p14:creationId xmlns:p14="http://schemas.microsoft.com/office/powerpoint/2010/main" val="2164494520"/>
       </p:ext>
     </p:extLst>
   </p:cSld>
@@ -971,318 +970,17 @@
           <a:bodyPr/>
           <a:lstStyle/>
           <a:p>
-            <a:pPr marL="0" marR="0" indent="0" algn="l" defTabSz="932503" rtl="0" eaLnBrk="1" fontAlgn="auto" latinLnBrk="0" hangingPunct="1">
-              <a:lnSpc>
-                <a:spcPct val="90000"/>
-              </a:lnSpc>
-              <a:spcBef>
-                <a:spcPts val="0"/>
-              </a:spcBef>
-              <a:spcAft>
-                <a:spcPts val="340"/>
-              </a:spcAft>
-              <a:buClrTx/>
-              <a:buSzTx/>
-              <a:buFontTx/>
-              <a:buNone/>
-              <a:tabLst/>
-              <a:defRPr/>
-            </a:pPr>
             <a:r>
-              <a:rPr lang="en-US" sz="1000" kern="1200" dirty="0" smtClean="0">
+              <a:rPr lang="en-US" sz="1200" kern="1200" dirty="0" smtClean="0">
                 <a:solidFill>
                   <a:schemeClr val="tx1"/>
                 </a:solidFill>
-                <a:effectLst/>
-                <a:latin typeface="Segoe UI Light" pitchFamily="34" charset="0"/>
+                <a:latin typeface="+mn-lt"/>
                 <a:ea typeface="+mn-ea"/>
                 <a:cs typeface="+mn-cs"/>
               </a:rPr>
-              <a:t>Fastest Growing Hypervisor, taking share from VMWare”</a:t>
+              <a:t>https://azure.microsoft.com/en-us/pricing/member-offers/msdn-benefits-details/ </a:t>
             </a:r>
-          </a:p>
-          <a:p>
-            <a:pPr marL="0" marR="0" indent="0" algn="l" defTabSz="932503" rtl="0" eaLnBrk="1" fontAlgn="auto" latinLnBrk="0" hangingPunct="1">
-              <a:lnSpc>
-                <a:spcPct val="90000"/>
-              </a:lnSpc>
-              <a:spcBef>
-                <a:spcPts val="0"/>
-              </a:spcBef>
-              <a:spcAft>
-                <a:spcPts val="340"/>
-              </a:spcAft>
-              <a:buClrTx/>
-              <a:buSzTx/>
-              <a:buFontTx/>
-              <a:buNone/>
-              <a:tabLst/>
-              <a:defRPr/>
-            </a:pPr>
-            <a:endParaRPr lang="en-US" sz="1000" kern="1200" dirty="0" smtClean="0">
-              <a:solidFill>
-                <a:schemeClr val="tx1"/>
-              </a:solidFill>
-              <a:effectLst/>
-              <a:latin typeface="Segoe UI Light" pitchFamily="34" charset="0"/>
-              <a:ea typeface="+mn-ea"/>
-              <a:cs typeface="+mn-cs"/>
-            </a:endParaRPr>
-          </a:p>
-          <a:p>
-            <a:pPr marL="0" marR="0" lvl="0" indent="0" algn="l" defTabSz="932503" rtl="0" eaLnBrk="1" fontAlgn="auto" latinLnBrk="0" hangingPunct="1">
-              <a:lnSpc>
-                <a:spcPct val="90000"/>
-              </a:lnSpc>
-              <a:spcBef>
-                <a:spcPts val="0"/>
-              </a:spcBef>
-              <a:spcAft>
-                <a:spcPts val="340"/>
-              </a:spcAft>
-              <a:buClrTx/>
-              <a:buSzTx/>
-              <a:buFontTx/>
-              <a:buNone/>
-              <a:tabLst/>
-              <a:defRPr/>
-            </a:pPr>
-            <a:r>
-              <a:rPr lang="en-US" sz="1000" kern="1200" dirty="0" smtClean="0">
-                <a:solidFill>
-                  <a:schemeClr val="tx1"/>
-                </a:solidFill>
-                <a:effectLst/>
-                <a:latin typeface="Segoe UI Light" pitchFamily="34" charset="0"/>
-                <a:ea typeface="+mn-ea"/>
-                <a:cs typeface="+mn-cs"/>
-              </a:rPr>
-              <a:t>2 releases of Hyper-V since ESX 5.1 (WS2012 and WS2012 R2)</a:t>
-            </a:r>
-          </a:p>
-          <a:p>
-            <a:pPr marL="0" marR="0" lvl="0" indent="0" algn="l" defTabSz="932503" rtl="0" eaLnBrk="1" fontAlgn="auto" latinLnBrk="0" hangingPunct="1">
-              <a:lnSpc>
-                <a:spcPct val="90000"/>
-              </a:lnSpc>
-              <a:spcBef>
-                <a:spcPts val="0"/>
-              </a:spcBef>
-              <a:spcAft>
-                <a:spcPts val="340"/>
-              </a:spcAft>
-              <a:buClrTx/>
-              <a:buSzTx/>
-              <a:buFontTx/>
-              <a:buNone/>
-              <a:tabLst/>
-              <a:defRPr/>
-            </a:pPr>
-            <a:endParaRPr lang="en-US" sz="1000" kern="1200" dirty="0" smtClean="0">
-              <a:solidFill>
-                <a:schemeClr val="tx1"/>
-              </a:solidFill>
-              <a:effectLst/>
-              <a:latin typeface="Segoe UI Light" pitchFamily="34" charset="0"/>
-              <a:ea typeface="+mn-ea"/>
-              <a:cs typeface="+mn-cs"/>
-            </a:endParaRPr>
-          </a:p>
-          <a:p>
-            <a:pPr lvl="0"/>
-            <a:r>
-              <a:rPr lang="en-US" sz="1000" kern="1200" dirty="0" smtClean="0">
-                <a:solidFill>
-                  <a:schemeClr val="tx1"/>
-                </a:solidFill>
-                <a:effectLst/>
-                <a:latin typeface="Segoe UI Light" pitchFamily="34" charset="0"/>
-                <a:ea typeface="+mn-ea"/>
-                <a:cs typeface="+mn-cs"/>
-              </a:rPr>
-              <a:t>Hyper-V share is growing 3x that of VMW over the past 2 years</a:t>
-            </a:r>
-          </a:p>
-          <a:p>
-            <a:pPr lvl="0"/>
-            <a:endParaRPr lang="en-US" sz="1000" kern="1200" dirty="0" smtClean="0">
-              <a:solidFill>
-                <a:schemeClr val="tx1"/>
-              </a:solidFill>
-              <a:effectLst/>
-              <a:latin typeface="Segoe UI Light" pitchFamily="34" charset="0"/>
-              <a:ea typeface="+mn-ea"/>
-              <a:cs typeface="+mn-cs"/>
-            </a:endParaRPr>
-          </a:p>
-          <a:p>
-            <a:pPr lvl="0"/>
-            <a:r>
-              <a:rPr lang="en-US" sz="1000" kern="1200" dirty="0" smtClean="0">
-                <a:solidFill>
-                  <a:schemeClr val="tx1"/>
-                </a:solidFill>
-                <a:effectLst/>
-                <a:latin typeface="Segoe UI Light" pitchFamily="34" charset="0"/>
-                <a:ea typeface="+mn-ea"/>
-                <a:cs typeface="+mn-cs"/>
-              </a:rPr>
-              <a:t>Hyper-V steadily taking over a point of share per quarter</a:t>
-            </a:r>
-          </a:p>
-          <a:p>
-            <a:pPr lvl="0"/>
-            <a:r>
-              <a:rPr lang="en-US" sz="1000" kern="1200" dirty="0" smtClean="0">
-                <a:solidFill>
-                  <a:schemeClr val="tx1"/>
-                </a:solidFill>
-                <a:effectLst/>
-                <a:latin typeface="Segoe UI Light" pitchFamily="34" charset="0"/>
-                <a:ea typeface="+mn-ea"/>
-                <a:cs typeface="+mn-cs"/>
-              </a:rPr>
-              <a:t>Microsoft in the Gartner Virtualization Magic Quadrant for the 3</a:t>
-            </a:r>
-            <a:r>
-              <a:rPr lang="en-US" sz="1000" kern="1200" baseline="30000" dirty="0" smtClean="0">
-                <a:solidFill>
-                  <a:schemeClr val="tx1"/>
-                </a:solidFill>
-                <a:effectLst/>
-                <a:latin typeface="Segoe UI Light" pitchFamily="34" charset="0"/>
-                <a:ea typeface="+mn-ea"/>
-                <a:cs typeface="+mn-cs"/>
-              </a:rPr>
-              <a:t>rd</a:t>
-            </a:r>
-            <a:r>
-              <a:rPr lang="en-US" sz="1000" kern="1200" dirty="0" smtClean="0">
-                <a:solidFill>
-                  <a:schemeClr val="tx1"/>
-                </a:solidFill>
-                <a:effectLst/>
-                <a:latin typeface="Segoe UI Light" pitchFamily="34" charset="0"/>
-                <a:ea typeface="+mn-ea"/>
-                <a:cs typeface="+mn-cs"/>
-              </a:rPr>
-              <a:t> straight year and is the only vendor moving up and to the right</a:t>
-            </a:r>
-          </a:p>
-          <a:p>
-            <a:pPr lvl="0"/>
-            <a:endParaRPr lang="en-US" sz="1000" kern="1200" dirty="0" smtClean="0">
-              <a:solidFill>
-                <a:schemeClr val="tx1"/>
-              </a:solidFill>
-              <a:effectLst/>
-              <a:latin typeface="Segoe UI Light" pitchFamily="34" charset="0"/>
-              <a:ea typeface="+mn-ea"/>
-              <a:cs typeface="+mn-cs"/>
-            </a:endParaRPr>
-          </a:p>
-          <a:p>
-            <a:pPr lvl="0"/>
-            <a:r>
-              <a:rPr lang="en-US" sz="1000" kern="1200" dirty="0" smtClean="0">
-                <a:solidFill>
-                  <a:schemeClr val="tx1"/>
-                </a:solidFill>
-                <a:effectLst/>
-                <a:latin typeface="Segoe UI Light" pitchFamily="34" charset="0"/>
-                <a:ea typeface="+mn-ea"/>
-                <a:cs typeface="+mn-cs"/>
-              </a:rPr>
-              <a:t>Over 50 new services released this year</a:t>
-            </a:r>
-          </a:p>
-          <a:p>
-            <a:pPr lvl="0"/>
-            <a:r>
-              <a:rPr lang="en-US" sz="1000" kern="1200" dirty="0" smtClean="0">
-                <a:solidFill>
-                  <a:schemeClr val="tx1"/>
-                </a:solidFill>
-                <a:effectLst/>
-                <a:latin typeface="Segoe UI Light" pitchFamily="34" charset="0"/>
-                <a:ea typeface="+mn-ea"/>
-                <a:cs typeface="+mn-cs"/>
-              </a:rPr>
-              <a:t>Compute &amp; Storage Capacity doubling every 6 – 9 months</a:t>
-            </a:r>
-          </a:p>
-          <a:p>
-            <a:pPr lvl="0"/>
-            <a:endParaRPr lang="en-US" sz="1000" kern="1200" dirty="0" smtClean="0">
-              <a:solidFill>
-                <a:schemeClr val="tx1"/>
-              </a:solidFill>
-              <a:effectLst/>
-              <a:latin typeface="Segoe UI Light" pitchFamily="34" charset="0"/>
-              <a:ea typeface="+mn-ea"/>
-              <a:cs typeface="+mn-cs"/>
-            </a:endParaRPr>
-          </a:p>
-          <a:p>
-            <a:pPr marL="0" marR="0" lvl="0" indent="0" algn="l" defTabSz="932503" rtl="0" eaLnBrk="1" fontAlgn="auto" latinLnBrk="0" hangingPunct="1">
-              <a:lnSpc>
-                <a:spcPct val="90000"/>
-              </a:lnSpc>
-              <a:spcBef>
-                <a:spcPts val="0"/>
-              </a:spcBef>
-              <a:spcAft>
-                <a:spcPts val="340"/>
-              </a:spcAft>
-              <a:buClrTx/>
-              <a:buSzTx/>
-              <a:buFontTx/>
-              <a:buNone/>
-              <a:tabLst/>
-              <a:defRPr/>
-            </a:pPr>
-            <a:endParaRPr lang="en-US" sz="1000" kern="1200" dirty="0" smtClean="0">
-              <a:solidFill>
-                <a:schemeClr val="tx1"/>
-              </a:solidFill>
-              <a:effectLst/>
-              <a:latin typeface="Segoe UI Light" pitchFamily="34" charset="0"/>
-              <a:ea typeface="+mn-ea"/>
-              <a:cs typeface="+mn-cs"/>
-            </a:endParaRPr>
-          </a:p>
-          <a:p>
-            <a:pPr marL="0" marR="0" indent="0" algn="l" defTabSz="932503" rtl="0" eaLnBrk="1" fontAlgn="auto" latinLnBrk="0" hangingPunct="1">
-              <a:lnSpc>
-                <a:spcPct val="90000"/>
-              </a:lnSpc>
-              <a:spcBef>
-                <a:spcPts val="0"/>
-              </a:spcBef>
-              <a:spcAft>
-                <a:spcPts val="340"/>
-              </a:spcAft>
-              <a:buClrTx/>
-              <a:buSzTx/>
-              <a:buFontTx/>
-              <a:buNone/>
-              <a:tabLst/>
-              <a:defRPr/>
-            </a:pPr>
-            <a:endParaRPr lang="en-US" sz="1000" kern="1200" dirty="0" smtClean="0">
-              <a:solidFill>
-                <a:schemeClr val="tx1"/>
-              </a:solidFill>
-              <a:effectLst/>
-              <a:latin typeface="Segoe UI Light" pitchFamily="34" charset="0"/>
-              <a:ea typeface="+mn-ea"/>
-              <a:cs typeface="+mn-cs"/>
-            </a:endParaRPr>
-          </a:p>
-          <a:p>
-            <a:endParaRPr lang="en-US" dirty="0" smtClean="0"/>
-          </a:p>
-          <a:p>
             <a:endParaRPr lang="en-US" dirty="0"/>
           </a:p>
         </p:txBody>
@@ -1387,7 +1085,7 @@
           <a:p>
             <a:fld id="{50A28030-5D59-4E14-AFE9-B93D391AF3AF}" type="datetime1">
               <a:rPr lang="en-US" smtClean="0"/>
-              <a:t>12/06/2015</a:t>
+              <a:t>10/10/2015</a:t>
             </a:fld>
             <a:endParaRPr lang="en-US" dirty="0"/>
           </a:p>
@@ -1411,7 +1109,7 @@
             <a:fld id="{B4008EB6-D09E-4580-8CD6-DDB14511944F}" type="slidenum">
               <a:rPr lang="en-US" smtClean="0"/>
               <a:pPr/>
-              <a:t>18</a:t>
+              <a:t>17</a:t>
             </a:fld>
             <a:endParaRPr lang="en-US" dirty="0"/>
           </a:p>
@@ -1496,7 +1194,7 @@
             <a:fld id="{82AABF77-E2E4-44CA-BA5C-65E132CF08D8}" type="slidenum">
               <a:rPr lang="en-US" smtClean="0"/>
               <a:pPr/>
-              <a:t>23</a:t>
+              <a:t>22</a:t>
             </a:fld>
             <a:endParaRPr lang="en-US" dirty="0"/>
           </a:p>
@@ -1581,7 +1279,7 @@
             <a:fld id="{82AABF77-E2E4-44CA-BA5C-65E132CF08D8}" type="slidenum">
               <a:rPr lang="en-US" smtClean="0"/>
               <a:pPr/>
-              <a:t>24</a:t>
+              <a:t>23</a:t>
             </a:fld>
             <a:endParaRPr lang="en-US" dirty="0"/>
           </a:p>
@@ -1806,10 +1504,34 @@
                 <a:tableStyleId>{5C22544A-7EE6-4342-B048-85BDC9FD1C3A}</a:tableStyleId>
               </a:tblPr>
               <a:tblGrid>
-                <a:gridCol w="2764105"/>
-                <a:gridCol w="2764105"/>
-                <a:gridCol w="2764105"/>
-                <a:gridCol w="2764105"/>
+                <a:gridCol w="2764105">
+                  <a:extLst>
+                    <a:ext uri="{9D8B030D-6E8A-4147-A177-3AD203B41FA5}">
+                      <a16:colId xmlns:a16="http://schemas.microsoft.com/office/drawing/2014/main" val="20000"/>
+                    </a:ext>
+                  </a:extLst>
+                </a:gridCol>
+                <a:gridCol w="2764105">
+                  <a:extLst>
+                    <a:ext uri="{9D8B030D-6E8A-4147-A177-3AD203B41FA5}">
+                      <a16:colId xmlns:a16="http://schemas.microsoft.com/office/drawing/2014/main" val="20001"/>
+                    </a:ext>
+                  </a:extLst>
+                </a:gridCol>
+                <a:gridCol w="2764105">
+                  <a:extLst>
+                    <a:ext uri="{9D8B030D-6E8A-4147-A177-3AD203B41FA5}">
+                      <a16:colId xmlns:a16="http://schemas.microsoft.com/office/drawing/2014/main" val="20002"/>
+                    </a:ext>
+                  </a:extLst>
+                </a:gridCol>
+                <a:gridCol w="2764105">
+                  <a:extLst>
+                    <a:ext uri="{9D8B030D-6E8A-4147-A177-3AD203B41FA5}">
+                      <a16:colId xmlns:a16="http://schemas.microsoft.com/office/drawing/2014/main" val="20003"/>
+                    </a:ext>
+                  </a:extLst>
+                </a:gridCol>
               </a:tblGrid>
               <a:tr h="644435">
                 <a:tc>
@@ -1984,6 +1706,11 @@
                     </a:lnBlToTr>
                   </a:tcPr>
                 </a:tc>
+                <a:extLst>
+                  <a:ext uri="{0D108BD9-81ED-4DB2-BD59-A6C34878D82A}">
+                    <a16:rowId xmlns:a16="http://schemas.microsoft.com/office/drawing/2014/main" val="10000"/>
+                  </a:ext>
+                </a:extLst>
               </a:tr>
               <a:tr h="1225319">
                 <a:tc>
@@ -2215,6 +1942,11 @@
                     </a:lnBlToTr>
                   </a:tcPr>
                 </a:tc>
+                <a:extLst>
+                  <a:ext uri="{0D108BD9-81ED-4DB2-BD59-A6C34878D82A}">
+                    <a16:rowId xmlns:a16="http://schemas.microsoft.com/office/drawing/2014/main" val="10001"/>
+                  </a:ext>
+                </a:extLst>
               </a:tr>
               <a:tr h="1225319">
                 <a:tc>
@@ -2465,6 +2197,11 @@
                     </a:lnBlToTr>
                   </a:tcPr>
                 </a:tc>
+                <a:extLst>
+                  <a:ext uri="{0D108BD9-81ED-4DB2-BD59-A6C34878D82A}">
+                    <a16:rowId xmlns:a16="http://schemas.microsoft.com/office/drawing/2014/main" val="10002"/>
+                  </a:ext>
+                </a:extLst>
               </a:tr>
               <a:tr h="1225319">
                 <a:tc>
@@ -2715,6 +2452,11 @@
                     </a:lnBlToTr>
                   </a:tcPr>
                 </a:tc>
+                <a:extLst>
+                  <a:ext uri="{0D108BD9-81ED-4DB2-BD59-A6C34878D82A}">
+                    <a16:rowId xmlns:a16="http://schemas.microsoft.com/office/drawing/2014/main" val="10003"/>
+                  </a:ext>
+                </a:extLst>
               </a:tr>
             </a:tbl>
           </a:graphicData>
@@ -5885,10 +5627,34 @@
                 <a:tableStyleId>{93296810-A885-4BE3-A3E7-6D5BEEA58F35}</a:tableStyleId>
               </a:tblPr>
               <a:tblGrid>
-                <a:gridCol w="2764105"/>
-                <a:gridCol w="2764105"/>
-                <a:gridCol w="2764105"/>
-                <a:gridCol w="2764105"/>
+                <a:gridCol w="2764105">
+                  <a:extLst>
+                    <a:ext uri="{9D8B030D-6E8A-4147-A177-3AD203B41FA5}">
+                      <a16:colId xmlns:a16="http://schemas.microsoft.com/office/drawing/2014/main" val="20000"/>
+                    </a:ext>
+                  </a:extLst>
+                </a:gridCol>
+                <a:gridCol w="2764105">
+                  <a:extLst>
+                    <a:ext uri="{9D8B030D-6E8A-4147-A177-3AD203B41FA5}">
+                      <a16:colId xmlns:a16="http://schemas.microsoft.com/office/drawing/2014/main" val="20001"/>
+                    </a:ext>
+                  </a:extLst>
+                </a:gridCol>
+                <a:gridCol w="2764105">
+                  <a:extLst>
+                    <a:ext uri="{9D8B030D-6E8A-4147-A177-3AD203B41FA5}">
+                      <a16:colId xmlns:a16="http://schemas.microsoft.com/office/drawing/2014/main" val="20002"/>
+                    </a:ext>
+                  </a:extLst>
+                </a:gridCol>
+                <a:gridCol w="2764105">
+                  <a:extLst>
+                    <a:ext uri="{9D8B030D-6E8A-4147-A177-3AD203B41FA5}">
+                      <a16:colId xmlns:a16="http://schemas.microsoft.com/office/drawing/2014/main" val="20003"/>
+                    </a:ext>
+                  </a:extLst>
+                </a:gridCol>
               </a:tblGrid>
               <a:tr h="644435">
                 <a:tc>
@@ -6047,6 +5813,11 @@
                     </a:lnBlToTr>
                   </a:tcPr>
                 </a:tc>
+                <a:extLst>
+                  <a:ext uri="{0D108BD9-81ED-4DB2-BD59-A6C34878D82A}">
+                    <a16:rowId xmlns:a16="http://schemas.microsoft.com/office/drawing/2014/main" val="10000"/>
+                  </a:ext>
+                </a:extLst>
               </a:tr>
               <a:tr h="1225319">
                 <a:tc>
@@ -6262,6 +6033,11 @@
                     </a:lnBlToTr>
                   </a:tcPr>
                 </a:tc>
+                <a:extLst>
+                  <a:ext uri="{0D108BD9-81ED-4DB2-BD59-A6C34878D82A}">
+                    <a16:rowId xmlns:a16="http://schemas.microsoft.com/office/drawing/2014/main" val="10001"/>
+                  </a:ext>
+                </a:extLst>
               </a:tr>
               <a:tr h="1225319">
                 <a:tc>
@@ -6496,6 +6272,11 @@
                     </a:lnBlToTr>
                   </a:tcPr>
                 </a:tc>
+                <a:extLst>
+                  <a:ext uri="{0D108BD9-81ED-4DB2-BD59-A6C34878D82A}">
+                    <a16:rowId xmlns:a16="http://schemas.microsoft.com/office/drawing/2014/main" val="10002"/>
+                  </a:ext>
+                </a:extLst>
               </a:tr>
               <a:tr h="1225319">
                 <a:tc>
@@ -6730,6 +6511,11 @@
                     </a:lnBlToTr>
                   </a:tcPr>
                 </a:tc>
+                <a:extLst>
+                  <a:ext uri="{0D108BD9-81ED-4DB2-BD59-A6C34878D82A}">
+                    <a16:rowId xmlns:a16="http://schemas.microsoft.com/office/drawing/2014/main" val="10003"/>
+                  </a:ext>
+                </a:extLst>
               </a:tr>
             </a:tbl>
           </a:graphicData>
@@ -7948,10 +7734,34 @@
                 <a:tableStyleId>{21E4AEA4-8DFA-4A89-87EB-49C32662AFE0}</a:tableStyleId>
               </a:tblPr>
               <a:tblGrid>
-                <a:gridCol w="2764105"/>
-                <a:gridCol w="2764105"/>
-                <a:gridCol w="2764105"/>
-                <a:gridCol w="2764105"/>
+                <a:gridCol w="2764105">
+                  <a:extLst>
+                    <a:ext uri="{9D8B030D-6E8A-4147-A177-3AD203B41FA5}">
+                      <a16:colId xmlns:a16="http://schemas.microsoft.com/office/drawing/2014/main" val="20000"/>
+                    </a:ext>
+                  </a:extLst>
+                </a:gridCol>
+                <a:gridCol w="2764105">
+                  <a:extLst>
+                    <a:ext uri="{9D8B030D-6E8A-4147-A177-3AD203B41FA5}">
+                      <a16:colId xmlns:a16="http://schemas.microsoft.com/office/drawing/2014/main" val="20001"/>
+                    </a:ext>
+                  </a:extLst>
+                </a:gridCol>
+                <a:gridCol w="2764105">
+                  <a:extLst>
+                    <a:ext uri="{9D8B030D-6E8A-4147-A177-3AD203B41FA5}">
+                      <a16:colId xmlns:a16="http://schemas.microsoft.com/office/drawing/2014/main" val="20002"/>
+                    </a:ext>
+                  </a:extLst>
+                </a:gridCol>
+                <a:gridCol w="2764105">
+                  <a:extLst>
+                    <a:ext uri="{9D8B030D-6E8A-4147-A177-3AD203B41FA5}">
+                      <a16:colId xmlns:a16="http://schemas.microsoft.com/office/drawing/2014/main" val="20003"/>
+                    </a:ext>
+                  </a:extLst>
+                </a:gridCol>
               </a:tblGrid>
               <a:tr h="644435">
                 <a:tc>
@@ -8122,6 +7932,11 @@
                     </a:solidFill>
                   </a:tcPr>
                 </a:tc>
+                <a:extLst>
+                  <a:ext uri="{0D108BD9-81ED-4DB2-BD59-A6C34878D82A}">
+                    <a16:rowId xmlns:a16="http://schemas.microsoft.com/office/drawing/2014/main" val="10000"/>
+                  </a:ext>
+                </a:extLst>
               </a:tr>
               <a:tr h="1225319">
                 <a:tc>
@@ -8349,6 +8164,11 @@
                     </a:solidFill>
                   </a:tcPr>
                 </a:tc>
+                <a:extLst>
+                  <a:ext uri="{0D108BD9-81ED-4DB2-BD59-A6C34878D82A}">
+                    <a16:rowId xmlns:a16="http://schemas.microsoft.com/office/drawing/2014/main" val="10001"/>
+                  </a:ext>
+                </a:extLst>
               </a:tr>
               <a:tr h="1225319">
                 <a:tc>
@@ -8603,6 +8423,11 @@
                     </a:solidFill>
                   </a:tcPr>
                 </a:tc>
+                <a:extLst>
+                  <a:ext uri="{0D108BD9-81ED-4DB2-BD59-A6C34878D82A}">
+                    <a16:rowId xmlns:a16="http://schemas.microsoft.com/office/drawing/2014/main" val="10002"/>
+                  </a:ext>
+                </a:extLst>
               </a:tr>
               <a:tr h="1225319">
                 <a:tc>
@@ -8849,6 +8674,11 @@
                     </a:solidFill>
                   </a:tcPr>
                 </a:tc>
+                <a:extLst>
+                  <a:ext uri="{0D108BD9-81ED-4DB2-BD59-A6C34878D82A}">
+                    <a16:rowId xmlns:a16="http://schemas.microsoft.com/office/drawing/2014/main" val="10003"/>
+                  </a:ext>
+                </a:extLst>
               </a:tr>
             </a:tbl>
           </a:graphicData>
@@ -10061,10 +9891,34 @@
                 <a:tableStyleId>{5C22544A-7EE6-4342-B048-85BDC9FD1C3A}</a:tableStyleId>
               </a:tblPr>
               <a:tblGrid>
-                <a:gridCol w="2764105"/>
-                <a:gridCol w="2764105"/>
-                <a:gridCol w="2764105"/>
-                <a:gridCol w="2764105"/>
+                <a:gridCol w="2764105">
+                  <a:extLst>
+                    <a:ext uri="{9D8B030D-6E8A-4147-A177-3AD203B41FA5}">
+                      <a16:colId xmlns:a16="http://schemas.microsoft.com/office/drawing/2014/main" val="20000"/>
+                    </a:ext>
+                  </a:extLst>
+                </a:gridCol>
+                <a:gridCol w="2764105">
+                  <a:extLst>
+                    <a:ext uri="{9D8B030D-6E8A-4147-A177-3AD203B41FA5}">
+                      <a16:colId xmlns:a16="http://schemas.microsoft.com/office/drawing/2014/main" val="20001"/>
+                    </a:ext>
+                  </a:extLst>
+                </a:gridCol>
+                <a:gridCol w="2764105">
+                  <a:extLst>
+                    <a:ext uri="{9D8B030D-6E8A-4147-A177-3AD203B41FA5}">
+                      <a16:colId xmlns:a16="http://schemas.microsoft.com/office/drawing/2014/main" val="20002"/>
+                    </a:ext>
+                  </a:extLst>
+                </a:gridCol>
+                <a:gridCol w="2764105">
+                  <a:extLst>
+                    <a:ext uri="{9D8B030D-6E8A-4147-A177-3AD203B41FA5}">
+                      <a16:colId xmlns:a16="http://schemas.microsoft.com/office/drawing/2014/main" val="20003"/>
+                    </a:ext>
+                  </a:extLst>
+                </a:gridCol>
               </a:tblGrid>
               <a:tr h="644435">
                 <a:tc>
@@ -10239,6 +10093,11 @@
                     </a:lnBlToTr>
                   </a:tcPr>
                 </a:tc>
+                <a:extLst>
+                  <a:ext uri="{0D108BD9-81ED-4DB2-BD59-A6C34878D82A}">
+                    <a16:rowId xmlns:a16="http://schemas.microsoft.com/office/drawing/2014/main" val="10000"/>
+                  </a:ext>
+                </a:extLst>
               </a:tr>
               <a:tr h="1225319">
                 <a:tc>
@@ -10470,6 +10329,11 @@
                     </a:lnBlToTr>
                   </a:tcPr>
                 </a:tc>
+                <a:extLst>
+                  <a:ext uri="{0D108BD9-81ED-4DB2-BD59-A6C34878D82A}">
+                    <a16:rowId xmlns:a16="http://schemas.microsoft.com/office/drawing/2014/main" val="10001"/>
+                  </a:ext>
+                </a:extLst>
               </a:tr>
               <a:tr h="1225319">
                 <a:tc>
@@ -10720,6 +10584,11 @@
                     </a:lnBlToTr>
                   </a:tcPr>
                 </a:tc>
+                <a:extLst>
+                  <a:ext uri="{0D108BD9-81ED-4DB2-BD59-A6C34878D82A}">
+                    <a16:rowId xmlns:a16="http://schemas.microsoft.com/office/drawing/2014/main" val="10002"/>
+                  </a:ext>
+                </a:extLst>
               </a:tr>
               <a:tr h="1225319">
                 <a:tc>
@@ -10970,6 +10839,11 @@
                     </a:lnBlToTr>
                   </a:tcPr>
                 </a:tc>
+                <a:extLst>
+                  <a:ext uri="{0D108BD9-81ED-4DB2-BD59-A6C34878D82A}">
+                    <a16:rowId xmlns:a16="http://schemas.microsoft.com/office/drawing/2014/main" val="10003"/>
+                  </a:ext>
+                </a:extLst>
               </a:tr>
             </a:tbl>
           </a:graphicData>
@@ -12232,10 +12106,34 @@
                 <a:tableStyleId>{5C22544A-7EE6-4342-B048-85BDC9FD1C3A}</a:tableStyleId>
               </a:tblPr>
               <a:tblGrid>
-                <a:gridCol w="2764105"/>
-                <a:gridCol w="2764105"/>
-                <a:gridCol w="2764105"/>
-                <a:gridCol w="2764105"/>
+                <a:gridCol w="2764105">
+                  <a:extLst>
+                    <a:ext uri="{9D8B030D-6E8A-4147-A177-3AD203B41FA5}">
+                      <a16:colId xmlns:a16="http://schemas.microsoft.com/office/drawing/2014/main" val="20000"/>
+                    </a:ext>
+                  </a:extLst>
+                </a:gridCol>
+                <a:gridCol w="2764105">
+                  <a:extLst>
+                    <a:ext uri="{9D8B030D-6E8A-4147-A177-3AD203B41FA5}">
+                      <a16:colId xmlns:a16="http://schemas.microsoft.com/office/drawing/2014/main" val="20001"/>
+                    </a:ext>
+                  </a:extLst>
+                </a:gridCol>
+                <a:gridCol w="2764105">
+                  <a:extLst>
+                    <a:ext uri="{9D8B030D-6E8A-4147-A177-3AD203B41FA5}">
+                      <a16:colId xmlns:a16="http://schemas.microsoft.com/office/drawing/2014/main" val="20002"/>
+                    </a:ext>
+                  </a:extLst>
+                </a:gridCol>
+                <a:gridCol w="2764105">
+                  <a:extLst>
+                    <a:ext uri="{9D8B030D-6E8A-4147-A177-3AD203B41FA5}">
+                      <a16:colId xmlns:a16="http://schemas.microsoft.com/office/drawing/2014/main" val="20003"/>
+                    </a:ext>
+                  </a:extLst>
+                </a:gridCol>
               </a:tblGrid>
               <a:tr h="644435">
                 <a:tc>
@@ -12410,6 +12308,11 @@
                     </a:lnBlToTr>
                   </a:tcPr>
                 </a:tc>
+                <a:extLst>
+                  <a:ext uri="{0D108BD9-81ED-4DB2-BD59-A6C34878D82A}">
+                    <a16:rowId xmlns:a16="http://schemas.microsoft.com/office/drawing/2014/main" val="10000"/>
+                  </a:ext>
+                </a:extLst>
               </a:tr>
               <a:tr h="1225319">
                 <a:tc>
@@ -12641,6 +12544,11 @@
                     </a:lnBlToTr>
                   </a:tcPr>
                 </a:tc>
+                <a:extLst>
+                  <a:ext uri="{0D108BD9-81ED-4DB2-BD59-A6C34878D82A}">
+                    <a16:rowId xmlns:a16="http://schemas.microsoft.com/office/drawing/2014/main" val="10001"/>
+                  </a:ext>
+                </a:extLst>
               </a:tr>
               <a:tr h="1225319">
                 <a:tc>
@@ -12891,6 +12799,11 @@
                     </a:lnBlToTr>
                   </a:tcPr>
                 </a:tc>
+                <a:extLst>
+                  <a:ext uri="{0D108BD9-81ED-4DB2-BD59-A6C34878D82A}">
+                    <a16:rowId xmlns:a16="http://schemas.microsoft.com/office/drawing/2014/main" val="10002"/>
+                  </a:ext>
+                </a:extLst>
               </a:tr>
               <a:tr h="1225319">
                 <a:tc>
@@ -13141,6 +13054,11 @@
                     </a:lnBlToTr>
                   </a:tcPr>
                 </a:tc>
+                <a:extLst>
+                  <a:ext uri="{0D108BD9-81ED-4DB2-BD59-A6C34878D82A}">
+                    <a16:rowId xmlns:a16="http://schemas.microsoft.com/office/drawing/2014/main" val="10003"/>
+                  </a:ext>
+                </a:extLst>
               </a:tr>
             </a:tbl>
           </a:graphicData>
@@ -21256,7 +21174,7 @@
       </p:grpSpPr>
       <p:pic>
         <p:nvPicPr>
-          <p:cNvPr id="2" name="Picture 1"/>
+          <p:cNvPr id="3" name="Picture 2" descr="Screen Clipping"/>
           <p:cNvPicPr>
             <a:picLocks noChangeAspect="1"/>
           </p:cNvPicPr>
@@ -21276,8 +21194,8 @@
         </p:blipFill>
         <p:spPr>
           <a:xfrm>
-            <a:off x="0" y="-1"/>
-            <a:ext cx="12192000" cy="6798541"/>
+            <a:off x="518394" y="0"/>
+            <a:ext cx="11155212" cy="6858000"/>
           </a:xfrm>
           <a:prstGeom prst="rect">
             <a:avLst/>
@@ -21315,14 +21233,6 @@
 <file path=ppt/slides/slide11.xml><?xml version="1.0" encoding="utf-8"?>
 <p:sld xmlns:a="http://schemas.openxmlformats.org/drawingml/2006/main" xmlns:r="http://schemas.openxmlformats.org/officeDocument/2006/relationships" xmlns:p="http://schemas.openxmlformats.org/presentationml/2006/main">
   <p:cSld>
-    <p:bg>
-      <p:bgPr>
-        <a:solidFill>
-          <a:srgbClr val="EEEEEE"/>
-        </a:solidFill>
-        <a:effectLst/>
-      </p:bgPr>
-    </p:bg>
     <p:spTree>
       <p:nvGrpSpPr>
         <p:cNvPr id="1" name=""/>
@@ -21339,22 +21249,28 @@
       </p:grpSpPr>
       <p:pic>
         <p:nvPicPr>
-          <p:cNvPr id="3" name="Picture 2"/>
+          <p:cNvPr id="3" name="Picture 2" descr="Screen Clipping"/>
           <p:cNvPicPr>
             <a:picLocks noChangeAspect="1"/>
           </p:cNvPicPr>
           <p:nvPr/>
         </p:nvPicPr>
         <p:blipFill>
-          <a:blip r:embed="rId2"/>
+          <a:blip r:embed="rId2">
+            <a:extLst>
+              <a:ext uri="{28A0092B-C50C-407E-A947-70E740481C1C}">
+                <a14:useLocalDpi xmlns:a14="http://schemas.microsoft.com/office/drawing/2010/main" val="0"/>
+              </a:ext>
+            </a:extLst>
+          </a:blip>
           <a:stretch>
             <a:fillRect/>
           </a:stretch>
         </p:blipFill>
         <p:spPr>
           <a:xfrm>
-            <a:off x="1928320" y="0"/>
-            <a:ext cx="8335361" cy="6859308"/>
+            <a:off x="518394" y="0"/>
+            <a:ext cx="11155212" cy="6858000"/>
           </a:xfrm>
           <a:prstGeom prst="rect">
             <a:avLst/>
@@ -21392,14 +21308,6 @@
 <file path=ppt/slides/slide12.xml><?xml version="1.0" encoding="utf-8"?>
 <p:sld xmlns:a="http://schemas.openxmlformats.org/drawingml/2006/main" xmlns:r="http://schemas.openxmlformats.org/officeDocument/2006/relationships" xmlns:p="http://schemas.openxmlformats.org/presentationml/2006/main">
   <p:cSld>
-    <p:bg>
-      <p:bgPr>
-        <a:solidFill>
-          <a:srgbClr val="EEEEEE"/>
-        </a:solidFill>
-        <a:effectLst/>
-      </p:bgPr>
-    </p:bg>
     <p:spTree>
       <p:nvGrpSpPr>
         <p:cNvPr id="1" name=""/>
@@ -21416,22 +21324,28 @@
       </p:grpSpPr>
       <p:pic>
         <p:nvPicPr>
-          <p:cNvPr id="5" name="Picture 4"/>
+          <p:cNvPr id="2" name="Picture 1" descr="Windows Azure - Windows Internet Explorer - [InPrivate]"/>
           <p:cNvPicPr>
             <a:picLocks noChangeAspect="1"/>
           </p:cNvPicPr>
           <p:nvPr/>
         </p:nvPicPr>
         <p:blipFill>
-          <a:blip r:embed="rId2"/>
+          <a:blip r:embed="rId2">
+            <a:extLst>
+              <a:ext uri="{28A0092B-C50C-407E-A947-70E740481C1C}">
+                <a14:useLocalDpi xmlns:a14="http://schemas.microsoft.com/office/drawing/2010/main" val="0"/>
+              </a:ext>
+            </a:extLst>
+          </a:blip>
           <a:stretch>
             <a:fillRect/>
           </a:stretch>
         </p:blipFill>
         <p:spPr>
           <a:xfrm>
-            <a:off x="2649047" y="0"/>
-            <a:ext cx="6893906" cy="6858000"/>
+            <a:off x="1589" y="125346"/>
+            <a:ext cx="12188825" cy="6607309"/>
           </a:xfrm>
           <a:prstGeom prst="rect">
             <a:avLst/>
@@ -21441,7 +21355,7 @@
     </p:spTree>
     <p:extLst>
       <p:ext uri="{BB962C8B-B14F-4D97-AF65-F5344CB8AC3E}">
-        <p14:creationId xmlns:p14="http://schemas.microsoft.com/office/powerpoint/2010/main" val="1417181219"/>
+        <p14:creationId xmlns:p14="http://schemas.microsoft.com/office/powerpoint/2010/main" val="2455823008"/>
       </p:ext>
     </p:extLst>
   </p:cSld>
@@ -21469,14 +21383,6 @@
 <file path=ppt/slides/slide13.xml><?xml version="1.0" encoding="utf-8"?>
 <p:sld xmlns:a="http://schemas.openxmlformats.org/drawingml/2006/main" xmlns:r="http://schemas.openxmlformats.org/officeDocument/2006/relationships" xmlns:p="http://schemas.openxmlformats.org/presentationml/2006/main">
   <p:cSld>
-    <p:bg>
-      <p:bgPr>
-        <a:solidFill>
-          <a:srgbClr val="EEEEEE"/>
-        </a:solidFill>
-        <a:effectLst/>
-      </p:bgPr>
-    </p:bg>
     <p:spTree>
       <p:nvGrpSpPr>
         <p:cNvPr id="1" name=""/>
@@ -21493,22 +21399,28 @@
       </p:grpSpPr>
       <p:pic>
         <p:nvPicPr>
-          <p:cNvPr id="3" name="Picture 2"/>
+          <p:cNvPr id="3" name="Picture 2" descr="Screen Clipping"/>
           <p:cNvPicPr>
             <a:picLocks noChangeAspect="1"/>
           </p:cNvPicPr>
           <p:nvPr/>
         </p:nvPicPr>
         <p:blipFill>
-          <a:blip r:embed="rId2"/>
+          <a:blip r:embed="rId2">
+            <a:extLst>
+              <a:ext uri="{28A0092B-C50C-407E-A947-70E740481C1C}">
+                <a14:useLocalDpi xmlns:a14="http://schemas.microsoft.com/office/drawing/2010/main" val="0"/>
+              </a:ext>
+            </a:extLst>
+          </a:blip>
           <a:stretch>
             <a:fillRect/>
           </a:stretch>
         </p:blipFill>
         <p:spPr>
           <a:xfrm>
-            <a:off x="1659558" y="0"/>
-            <a:ext cx="8872884" cy="6858000"/>
+            <a:off x="502471" y="0"/>
+            <a:ext cx="11187058" cy="6858000"/>
           </a:xfrm>
           <a:prstGeom prst="rect">
             <a:avLst/>
@@ -21518,7 +21430,7 @@
     </p:spTree>
     <p:extLst>
       <p:ext uri="{BB962C8B-B14F-4D97-AF65-F5344CB8AC3E}">
-        <p14:creationId xmlns:p14="http://schemas.microsoft.com/office/powerpoint/2010/main" val="256178340"/>
+        <p14:creationId xmlns:p14="http://schemas.microsoft.com/office/powerpoint/2010/main" val="1513984188"/>
       </p:ext>
     </p:extLst>
   </p:cSld>
@@ -21562,21 +21474,28 @@
       </p:grpSpPr>
       <p:pic>
         <p:nvPicPr>
-          <p:cNvPr id="3" name="Picture 2"/>
+          <p:cNvPr id="3" name="Picture 2" descr="Screen Clipping"/>
           <p:cNvPicPr>
             <a:picLocks noChangeAspect="1"/>
           </p:cNvPicPr>
           <p:nvPr/>
         </p:nvPicPr>
-        <p:blipFill rotWithShape="1">
-          <a:blip r:embed="rId2"/>
-          <a:srcRect r="12531"/>
-          <a:stretch/>
+        <p:blipFill>
+          <a:blip r:embed="rId2">
+            <a:extLst>
+              <a:ext uri="{28A0092B-C50C-407E-A947-70E740481C1C}">
+                <a14:useLocalDpi xmlns:a14="http://schemas.microsoft.com/office/drawing/2010/main" val="0"/>
+              </a:ext>
+            </a:extLst>
+          </a:blip>
+          <a:stretch>
+            <a:fillRect/>
+          </a:stretch>
         </p:blipFill>
         <p:spPr>
           <a:xfrm>
-            <a:off x="131771" y="0"/>
-            <a:ext cx="12060229" cy="6858001"/>
+            <a:off x="528248" y="0"/>
+            <a:ext cx="11135503" cy="6858000"/>
           </a:xfrm>
           <a:prstGeom prst="rect">
             <a:avLst/>
@@ -21586,7 +21505,7 @@
     </p:spTree>
     <p:extLst>
       <p:ext uri="{BB962C8B-B14F-4D97-AF65-F5344CB8AC3E}">
-        <p14:creationId xmlns:p14="http://schemas.microsoft.com/office/powerpoint/2010/main" val="306929937"/>
+        <p14:creationId xmlns:p14="http://schemas.microsoft.com/office/powerpoint/2010/main" val="256178340"/>
       </p:ext>
     </p:extLst>
   </p:cSld>
@@ -21630,21 +21549,28 @@
       </p:grpSpPr>
       <p:pic>
         <p:nvPicPr>
-          <p:cNvPr id="4" name="Picture 3"/>
+          <p:cNvPr id="3" name="Picture 2" descr="Screen Clipping"/>
           <p:cNvPicPr>
             <a:picLocks noChangeAspect="1"/>
           </p:cNvPicPr>
           <p:nvPr/>
         </p:nvPicPr>
-        <p:blipFill rotWithShape="1">
-          <a:blip r:embed="rId2"/>
-          <a:srcRect r="12530"/>
-          <a:stretch/>
+        <p:blipFill>
+          <a:blip r:embed="rId2">
+            <a:extLst>
+              <a:ext uri="{28A0092B-C50C-407E-A947-70E740481C1C}">
+                <a14:useLocalDpi xmlns:a14="http://schemas.microsoft.com/office/drawing/2010/main" val="0"/>
+              </a:ext>
+            </a:extLst>
+          </a:blip>
+          <a:stretch>
+            <a:fillRect/>
+          </a:stretch>
         </p:blipFill>
         <p:spPr>
           <a:xfrm>
-            <a:off x="131771" y="0"/>
-            <a:ext cx="12060229" cy="6858000"/>
+            <a:off x="532622" y="0"/>
+            <a:ext cx="11126755" cy="6858000"/>
           </a:xfrm>
           <a:prstGeom prst="rect">
             <a:avLst/>
@@ -21654,7 +21580,7 @@
     </p:spTree>
     <p:extLst>
       <p:ext uri="{BB962C8B-B14F-4D97-AF65-F5344CB8AC3E}">
-        <p14:creationId xmlns:p14="http://schemas.microsoft.com/office/powerpoint/2010/main" val="2778556036"/>
+        <p14:creationId xmlns:p14="http://schemas.microsoft.com/office/powerpoint/2010/main" val="306929937"/>
       </p:ext>
     </p:extLst>
   </p:cSld>
@@ -21698,27 +21624,74 @@
       </p:grpSpPr>
       <p:pic>
         <p:nvPicPr>
-          <p:cNvPr id="4" name="Picture 3"/>
+          <p:cNvPr id="3" name="Picture 2" descr="Screen Clipping"/>
           <p:cNvPicPr>
             <a:picLocks noChangeAspect="1"/>
           </p:cNvPicPr>
           <p:nvPr/>
         </p:nvPicPr>
-        <p:blipFill rotWithShape="1">
-          <a:blip r:embed="rId2"/>
-          <a:srcRect r="12668"/>
-          <a:stretch/>
+        <p:blipFill>
+          <a:blip r:embed="rId2">
+            <a:extLst>
+              <a:ext uri="{28A0092B-C50C-407E-A947-70E740481C1C}">
+                <a14:useLocalDpi xmlns:a14="http://schemas.microsoft.com/office/drawing/2010/main" val="0"/>
+              </a:ext>
+            </a:extLst>
+          </a:blip>
+          <a:stretch>
+            <a:fillRect/>
+          </a:stretch>
         </p:blipFill>
         <p:spPr>
           <a:xfrm>
-            <a:off x="131773" y="0"/>
-            <a:ext cx="12041178" cy="6858000"/>
+            <a:off x="516758" y="0"/>
+            <a:ext cx="11158483" cy="6858000"/>
           </a:xfrm>
           <a:prstGeom prst="rect">
             <a:avLst/>
           </a:prstGeom>
         </p:spPr>
       </p:pic>
+      <p:sp>
+        <p:nvSpPr>
+          <p:cNvPr id="4" name="TextBox 3"/>
+          <p:cNvSpPr txBox="1"/>
+          <p:nvPr/>
+        </p:nvSpPr>
+        <p:spPr>
+          <a:xfrm>
+            <a:off x="8959066" y="400692"/>
+            <a:ext cx="1837362" cy="246221"/>
+          </a:xfrm>
+          <a:prstGeom prst="rect">
+            <a:avLst/>
+          </a:prstGeom>
+          <a:solidFill>
+            <a:srgbClr val="3C454F"/>
+          </a:solidFill>
+        </p:spPr>
+        <p:txBody>
+          <a:bodyPr wrap="none" rtlCol="0">
+            <a:spAutoFit/>
+          </a:bodyPr>
+          <a:lstStyle/>
+          <a:p>
+            <a:r>
+              <a:rPr lang="en-US" sz="1000" dirty="0" smtClean="0">
+                <a:solidFill>
+                  <a:schemeClr val="bg1"/>
+                </a:solidFill>
+              </a:rPr>
+              <a:t>yournamehere@outlook.com</a:t>
+            </a:r>
+            <a:endParaRPr lang="en-US" sz="1000" dirty="0">
+              <a:solidFill>
+                <a:schemeClr val="bg1"/>
+              </a:solidFill>
+            </a:endParaRPr>
+          </a:p>
+        </p:txBody>
+      </p:sp>
     </p:spTree>
     <p:extLst>
       <p:ext uri="{BB962C8B-B14F-4D97-AF65-F5344CB8AC3E}">
@@ -21748,74 +21721,6 @@
 </file>
 
 <file path=ppt/slides/slide17.xml><?xml version="1.0" encoding="utf-8"?>
-<p:sld xmlns:a="http://schemas.openxmlformats.org/drawingml/2006/main" xmlns:r="http://schemas.openxmlformats.org/officeDocument/2006/relationships" xmlns:p="http://schemas.openxmlformats.org/presentationml/2006/main">
-  <p:cSld>
-    <p:spTree>
-      <p:nvGrpSpPr>
-        <p:cNvPr id="1" name=""/>
-        <p:cNvGrpSpPr/>
-        <p:nvPr/>
-      </p:nvGrpSpPr>
-      <p:grpSpPr>
-        <a:xfrm>
-          <a:off x="0" y="0"/>
-          <a:ext cx="0" cy="0"/>
-          <a:chOff x="0" y="0"/>
-          <a:chExt cx="0" cy="0"/>
-        </a:xfrm>
-      </p:grpSpPr>
-      <p:pic>
-        <p:nvPicPr>
-          <p:cNvPr id="4" name="Picture 3"/>
-          <p:cNvPicPr>
-            <a:picLocks noChangeAspect="1"/>
-          </p:cNvPicPr>
-          <p:nvPr/>
-        </p:nvPicPr>
-        <p:blipFill rotWithShape="1">
-          <a:blip r:embed="rId2"/>
-          <a:srcRect r="12411"/>
-          <a:stretch/>
-        </p:blipFill>
-        <p:spPr>
-          <a:xfrm>
-            <a:off x="115443" y="0"/>
-            <a:ext cx="12076557" cy="6858000"/>
-          </a:xfrm>
-          <a:prstGeom prst="rect">
-            <a:avLst/>
-          </a:prstGeom>
-        </p:spPr>
-      </p:pic>
-    </p:spTree>
-    <p:extLst>
-      <p:ext uri="{BB962C8B-B14F-4D97-AF65-F5344CB8AC3E}">
-        <p14:creationId xmlns:p14="http://schemas.microsoft.com/office/powerpoint/2010/main" val="2273690535"/>
-      </p:ext>
-    </p:extLst>
-  </p:cSld>
-  <p:clrMapOvr>
-    <a:masterClrMapping/>
-  </p:clrMapOvr>
-  <mc:AlternateContent xmlns:mc="http://schemas.openxmlformats.org/markup-compatibility/2006" xmlns:p14="http://schemas.microsoft.com/office/powerpoint/2010/main">
-    <mc:Choice Requires="p14">
-      <p:transition spd="slow" p14:dur="2000"/>
-    </mc:Choice>
-    <mc:Fallback xmlns="">
-      <p:transition spd="slow"/>
-    </mc:Fallback>
-  </mc:AlternateContent>
-  <p:timing>
-    <p:tnLst>
-      <p:par>
-        <p:cTn id="1" dur="indefinite" restart="never" nodeType="tmRoot"/>
-      </p:par>
-    </p:tnLst>
-  </p:timing>
-</p:sld>
-</file>
-
-<file path=ppt/slides/slide18.xml><?xml version="1.0" encoding="utf-8"?>
 <p:sld xmlns:a="http://schemas.openxmlformats.org/drawingml/2006/main" xmlns:r="http://schemas.openxmlformats.org/officeDocument/2006/relationships" xmlns:p="http://schemas.openxmlformats.org/presentationml/2006/main">
   <p:cSld>
     <p:spTree>
@@ -22086,7 +21991,7 @@
                   </a:solidFill>
                   <a:cs typeface="Segoe UI Light" panose="020B0502040204020203" pitchFamily="34" charset="0"/>
                 </a:rPr>
-                <a:t>APPS</a:t>
+                <a:t>SITES</a:t>
               </a:r>
               <a:br>
                 <a:rPr lang="en-US" sz="1961" dirty="0" smtClean="0">
@@ -23156,7 +23061,7 @@
 </p:sld>
 </file>
 
-<file path=ppt/slides/slide19.xml><?xml version="1.0" encoding="utf-8"?>
+<file path=ppt/slides/slide18.xml><?xml version="1.0" encoding="utf-8"?>
 <p:sld xmlns:a="http://schemas.openxmlformats.org/drawingml/2006/main" xmlns:r="http://schemas.openxmlformats.org/officeDocument/2006/relationships" xmlns:p="http://schemas.openxmlformats.org/presentationml/2006/main">
   <p:cSld>
     <p:bg>
@@ -23250,7 +23155,7 @@
           <a:p>
             <a:fld id="{0A164282-434E-41D4-9582-783D542A7B68}" type="slidenum">
               <a:rPr lang="en-US" smtClean="0"/>
-              <a:t>19</a:t>
+              <a:t>18</a:t>
             </a:fld>
             <a:endParaRPr lang="en-US"/>
           </a:p>
@@ -23260,6 +23165,127 @@
     <p:extLst>
       <p:ext uri="{BB962C8B-B14F-4D97-AF65-F5344CB8AC3E}">
         <p14:creationId xmlns:p14="http://schemas.microsoft.com/office/powerpoint/2010/main" val="956239148"/>
+      </p:ext>
+    </p:extLst>
+  </p:cSld>
+  <p:clrMapOvr>
+    <a:masterClrMapping/>
+  </p:clrMapOvr>
+  <p:timing>
+    <p:tnLst>
+      <p:par>
+        <p:cTn id="1" dur="indefinite" restart="never" nodeType="tmRoot"/>
+      </p:par>
+    </p:tnLst>
+  </p:timing>
+</p:sld>
+</file>
+
+<file path=ppt/slides/slide19.xml><?xml version="1.0" encoding="utf-8"?>
+<p:sld xmlns:a="http://schemas.openxmlformats.org/drawingml/2006/main" xmlns:r="http://schemas.openxmlformats.org/officeDocument/2006/relationships" xmlns:p="http://schemas.openxmlformats.org/presentationml/2006/main">
+  <p:cSld>
+    <p:bg>
+      <p:bgPr>
+        <a:solidFill>
+          <a:srgbClr val="00518E"/>
+        </a:solidFill>
+        <a:effectLst/>
+      </p:bgPr>
+    </p:bg>
+    <p:spTree>
+      <p:nvGrpSpPr>
+        <p:cNvPr id="1" name=""/>
+        <p:cNvGrpSpPr/>
+        <p:nvPr/>
+      </p:nvGrpSpPr>
+      <p:grpSpPr>
+        <a:xfrm>
+          <a:off x="0" y="0"/>
+          <a:ext cx="0" cy="0"/>
+          <a:chOff x="0" y="0"/>
+          <a:chExt cx="0" cy="0"/>
+        </a:xfrm>
+      </p:grpSpPr>
+      <p:sp>
+        <p:nvSpPr>
+          <p:cNvPr id="2" name="Title 1"/>
+          <p:cNvSpPr>
+            <a:spLocks noGrp="1"/>
+          </p:cNvSpPr>
+          <p:nvPr>
+            <p:ph type="title"/>
+          </p:nvPr>
+        </p:nvSpPr>
+        <p:spPr/>
+        <p:txBody>
+          <a:bodyPr/>
+          <a:lstStyle/>
+          <a:p>
+            <a:r>
+              <a:rPr lang="en-US" dirty="0" smtClean="0"/>
+              <a:t>Microsoft Azure</a:t>
+            </a:r>
+            <a:endParaRPr lang="en-US" dirty="0"/>
+          </a:p>
+        </p:txBody>
+      </p:sp>
+      <p:sp>
+        <p:nvSpPr>
+          <p:cNvPr id="4" name="Slide Number Placeholder 3"/>
+          <p:cNvSpPr>
+            <a:spLocks noGrp="1"/>
+          </p:cNvSpPr>
+          <p:nvPr>
+            <p:ph type="sldNum" sz="quarter" idx="12"/>
+          </p:nvPr>
+        </p:nvSpPr>
+        <p:spPr/>
+        <p:txBody>
+          <a:bodyPr/>
+          <a:lstStyle/>
+          <a:p>
+            <a:fld id="{0A164282-434E-41D4-9582-783D542A7B68}" type="slidenum">
+              <a:rPr lang="en-US" smtClean="0"/>
+              <a:t>19</a:t>
+            </a:fld>
+            <a:endParaRPr lang="en-US"/>
+          </a:p>
+        </p:txBody>
+      </p:sp>
+      <p:pic>
+        <p:nvPicPr>
+          <p:cNvPr id="3" name="Picture 2"/>
+          <p:cNvPicPr>
+            <a:picLocks noChangeAspect="1"/>
+          </p:cNvPicPr>
+          <p:nvPr/>
+        </p:nvPicPr>
+        <p:blipFill>
+          <a:blip r:embed="rId2">
+            <a:extLst>
+              <a:ext uri="{28A0092B-C50C-407E-A947-70E740481C1C}">
+                <a14:useLocalDpi xmlns:a14="http://schemas.microsoft.com/office/drawing/2010/main" val="0"/>
+              </a:ext>
+            </a:extLst>
+          </a:blip>
+          <a:stretch>
+            <a:fillRect/>
+          </a:stretch>
+        </p:blipFill>
+        <p:spPr>
+          <a:xfrm>
+            <a:off x="560798" y="2429299"/>
+            <a:ext cx="10591278" cy="2697466"/>
+          </a:xfrm>
+          <a:prstGeom prst="rect">
+            <a:avLst/>
+          </a:prstGeom>
+        </p:spPr>
+      </p:pic>
+    </p:spTree>
+    <p:extLst>
+      <p:ext uri="{BB962C8B-B14F-4D97-AF65-F5344CB8AC3E}">
+        <p14:creationId xmlns:p14="http://schemas.microsoft.com/office/powerpoint/2010/main" val="3568708487"/>
       </p:ext>
     </p:extLst>
   </p:cSld>
@@ -23391,7 +23417,7 @@
           <p:nvPr>
             <p:extLst>
               <p:ext uri="{D42A27DB-BD31-4B8C-83A1-F6EECF244321}">
-                <p14:modId xmlns:p14="http://schemas.microsoft.com/office/powerpoint/2010/main" val="3711671750"/>
+                <p14:modId xmlns:p14="http://schemas.microsoft.com/office/powerpoint/2010/main" val="2267648518"/>
               </p:ext>
             </p:extLst>
           </p:nvPr>
@@ -23407,9 +23433,27 @@
                 <a:tableStyleId>{6E25E649-3F16-4E02-A733-19D2CDBF48F0}</a:tableStyleId>
               </a:tblPr>
               <a:tblGrid>
-                <a:gridCol w="8350512"/>
-                <a:gridCol w="1662043"/>
-                <a:gridCol w="1470628"/>
+                <a:gridCol w="8350512">
+                  <a:extLst>
+                    <a:ext uri="{9D8B030D-6E8A-4147-A177-3AD203B41FA5}">
+                      <a16:colId xmlns:a16="http://schemas.microsoft.com/office/drawing/2014/main" val="20000"/>
+                    </a:ext>
+                  </a:extLst>
+                </a:gridCol>
+                <a:gridCol w="1662043">
+                  <a:extLst>
+                    <a:ext uri="{9D8B030D-6E8A-4147-A177-3AD203B41FA5}">
+                      <a16:colId xmlns:a16="http://schemas.microsoft.com/office/drawing/2014/main" val="20001"/>
+                    </a:ext>
+                  </a:extLst>
+                </a:gridCol>
+                <a:gridCol w="1470628">
+                  <a:extLst>
+                    <a:ext uri="{9D8B030D-6E8A-4147-A177-3AD203B41FA5}">
+                      <a16:colId xmlns:a16="http://schemas.microsoft.com/office/drawing/2014/main" val="20002"/>
+                    </a:ext>
+                  </a:extLst>
+                </a:gridCol>
               </a:tblGrid>
               <a:tr h="409188">
                 <a:tc>
@@ -23454,6 +23498,11 @@
                   </a:txBody>
                   <a:tcPr marL="45720" marR="45720"/>
                 </a:tc>
+                <a:extLst>
+                  <a:ext uri="{0D108BD9-81ED-4DB2-BD59-A6C34878D82A}">
+                    <a16:rowId xmlns:a16="http://schemas.microsoft.com/office/drawing/2014/main" val="10000"/>
+                  </a:ext>
+                </a:extLst>
               </a:tr>
               <a:tr h="409188">
                 <a:tc>
@@ -23534,6 +23583,11 @@
                     </a:solidFill>
                   </a:tcPr>
                 </a:tc>
+                <a:extLst>
+                  <a:ext uri="{0D108BD9-81ED-4DB2-BD59-A6C34878D82A}">
+                    <a16:rowId xmlns:a16="http://schemas.microsoft.com/office/drawing/2014/main" val="10001"/>
+                  </a:ext>
+                </a:extLst>
               </a:tr>
               <a:tr h="409188">
                 <a:tc>
@@ -23547,7 +23601,23 @@
                             <a:srgbClr val="000000"/>
                           </a:solidFill>
                         </a:rPr>
-                        <a:t>Introduction to ASP.NET and Visual Studio 2013 Web Tools</a:t>
+                        <a:t>Introduction to ASP.NET and Visual Studio </a:t>
+                      </a:r>
+                      <a:r>
+                        <a:rPr lang="en-US" sz="2000" dirty="0" smtClean="0">
+                          <a:solidFill>
+                            <a:srgbClr val="000000"/>
+                          </a:solidFill>
+                        </a:rPr>
+                        <a:t>2015 </a:t>
+                      </a:r>
+                      <a:r>
+                        <a:rPr lang="en-US" sz="2000" dirty="0" smtClean="0">
+                          <a:solidFill>
+                            <a:srgbClr val="000000"/>
+                          </a:solidFill>
+                        </a:rPr>
+                        <a:t>Web Tools</a:t>
                       </a:r>
                       <a:endParaRPr lang="en-US" sz="2000" dirty="0">
                         <a:solidFill>
@@ -23602,6 +23672,11 @@
                   </a:txBody>
                   <a:tcPr marL="45720" marR="45720"/>
                 </a:tc>
+                <a:extLst>
+                  <a:ext uri="{0D108BD9-81ED-4DB2-BD59-A6C34878D82A}">
+                    <a16:rowId xmlns:a16="http://schemas.microsoft.com/office/drawing/2014/main" val="10002"/>
+                  </a:ext>
+                </a:extLst>
               </a:tr>
               <a:tr h="409188">
                 <a:tc>
@@ -23670,6 +23745,11 @@
                   </a:txBody>
                   <a:tcPr marL="45720" marR="45720"/>
                 </a:tc>
+                <a:extLst>
+                  <a:ext uri="{0D108BD9-81ED-4DB2-BD59-A6C34878D82A}">
+                    <a16:rowId xmlns:a16="http://schemas.microsoft.com/office/drawing/2014/main" val="10003"/>
+                  </a:ext>
+                </a:extLst>
               </a:tr>
               <a:tr h="409188">
                 <a:tc>
@@ -23738,6 +23818,11 @@
                   </a:txBody>
                   <a:tcPr marL="45720" marR="45720"/>
                 </a:tc>
+                <a:extLst>
+                  <a:ext uri="{0D108BD9-81ED-4DB2-BD59-A6C34878D82A}">
+                    <a16:rowId xmlns:a16="http://schemas.microsoft.com/office/drawing/2014/main" val="10004"/>
+                  </a:ext>
+                </a:extLst>
               </a:tr>
               <a:tr h="723948">
                 <a:tc>
@@ -23806,6 +23891,11 @@
                   </a:txBody>
                   <a:tcPr marL="45720" marR="45720"/>
                 </a:tc>
+                <a:extLst>
+                  <a:ext uri="{0D108BD9-81ED-4DB2-BD59-A6C34878D82A}">
+                    <a16:rowId xmlns:a16="http://schemas.microsoft.com/office/drawing/2014/main" val="10005"/>
+                  </a:ext>
+                </a:extLst>
               </a:tr>
               <a:tr h="409188">
                 <a:tc>
@@ -23874,6 +23964,11 @@
                   </a:txBody>
                   <a:tcPr marL="45720" marR="45720"/>
                 </a:tc>
+                <a:extLst>
+                  <a:ext uri="{0D108BD9-81ED-4DB2-BD59-A6C34878D82A}">
+                    <a16:rowId xmlns:a16="http://schemas.microsoft.com/office/drawing/2014/main" val="10006"/>
+                  </a:ext>
+                </a:extLst>
               </a:tr>
               <a:tr h="409188">
                 <a:tc>
@@ -23942,6 +24037,11 @@
                   </a:txBody>
                   <a:tcPr marL="45720" marR="45720"/>
                 </a:tc>
+                <a:extLst>
+                  <a:ext uri="{0D108BD9-81ED-4DB2-BD59-A6C34878D82A}">
+                    <a16:rowId xmlns:a16="http://schemas.microsoft.com/office/drawing/2014/main" val="10007"/>
+                  </a:ext>
+                </a:extLst>
               </a:tr>
               <a:tr h="409188">
                 <a:tc>
@@ -24010,6 +24110,11 @@
                   </a:txBody>
                   <a:tcPr marL="45720" marR="45720"/>
                 </a:tc>
+                <a:extLst>
+                  <a:ext uri="{0D108BD9-81ED-4DB2-BD59-A6C34878D82A}">
+                    <a16:rowId xmlns:a16="http://schemas.microsoft.com/office/drawing/2014/main" val="10008"/>
+                  </a:ext>
+                </a:extLst>
               </a:tr>
               <a:tr h="409188">
                 <a:tc>
@@ -24078,6 +24183,11 @@
                   </a:txBody>
                   <a:tcPr marL="45720" marR="45720"/>
                 </a:tc>
+                <a:extLst>
+                  <a:ext uri="{0D108BD9-81ED-4DB2-BD59-A6C34878D82A}">
+                    <a16:rowId xmlns:a16="http://schemas.microsoft.com/office/drawing/2014/main" val="10009"/>
+                  </a:ext>
+                </a:extLst>
               </a:tr>
               <a:tr h="409188">
                 <a:tc>
@@ -24162,6 +24272,11 @@
                   </a:txBody>
                   <a:tcPr marL="45720" marR="45720"/>
                 </a:tc>
+                <a:extLst>
+                  <a:ext uri="{0D108BD9-81ED-4DB2-BD59-A6C34878D82A}">
+                    <a16:rowId xmlns:a16="http://schemas.microsoft.com/office/drawing/2014/main" val="10010"/>
+                  </a:ext>
+                </a:extLst>
               </a:tr>
               <a:tr h="409188">
                 <a:tc>
@@ -24238,6 +24353,11 @@
                   </a:txBody>
                   <a:tcPr marL="45720" marR="45720"/>
                 </a:tc>
+                <a:extLst>
+                  <a:ext uri="{0D108BD9-81ED-4DB2-BD59-A6C34878D82A}">
+                    <a16:rowId xmlns:a16="http://schemas.microsoft.com/office/drawing/2014/main" val="10011"/>
+                  </a:ext>
+                </a:extLst>
               </a:tr>
             </a:tbl>
           </a:graphicData>
@@ -24336,7 +24456,7 @@
       </p:sp>
       <p:pic>
         <p:nvPicPr>
-          <p:cNvPr id="3" name="Picture 2"/>
+          <p:cNvPr id="5" name="Picture 4"/>
           <p:cNvPicPr>
             <a:picLocks noChangeAspect="1"/>
           </p:cNvPicPr>
@@ -24356,8 +24476,8 @@
         </p:blipFill>
         <p:spPr>
           <a:xfrm>
-            <a:off x="560798" y="2429299"/>
-            <a:ext cx="10591278" cy="2697466"/>
+            <a:off x="455432" y="2697112"/>
+            <a:ext cx="11185188" cy="2604050"/>
           </a:xfrm>
           <a:prstGeom prst="rect">
             <a:avLst/>
@@ -24367,7 +24487,7 @@
     </p:spTree>
     <p:extLst>
       <p:ext uri="{BB962C8B-B14F-4D97-AF65-F5344CB8AC3E}">
-        <p14:creationId xmlns:p14="http://schemas.microsoft.com/office/powerpoint/2010/main" val="3568708487"/>
+        <p14:creationId xmlns:p14="http://schemas.microsoft.com/office/powerpoint/2010/main" val="2861930090"/>
       </p:ext>
     </p:extLst>
   </p:cSld>
@@ -24477,127 +24597,6 @@
         </p:blipFill>
         <p:spPr>
           <a:xfrm>
-            <a:off x="455432" y="2697112"/>
-            <a:ext cx="11185188" cy="2604050"/>
-          </a:xfrm>
-          <a:prstGeom prst="rect">
-            <a:avLst/>
-          </a:prstGeom>
-        </p:spPr>
-      </p:pic>
-    </p:spTree>
-    <p:extLst>
-      <p:ext uri="{BB962C8B-B14F-4D97-AF65-F5344CB8AC3E}">
-        <p14:creationId xmlns:p14="http://schemas.microsoft.com/office/powerpoint/2010/main" val="2861930090"/>
-      </p:ext>
-    </p:extLst>
-  </p:cSld>
-  <p:clrMapOvr>
-    <a:masterClrMapping/>
-  </p:clrMapOvr>
-  <p:timing>
-    <p:tnLst>
-      <p:par>
-        <p:cTn id="1" dur="indefinite" restart="never" nodeType="tmRoot"/>
-      </p:par>
-    </p:tnLst>
-  </p:timing>
-</p:sld>
-</file>
-
-<file path=ppt/slides/slide22.xml><?xml version="1.0" encoding="utf-8"?>
-<p:sld xmlns:a="http://schemas.openxmlformats.org/drawingml/2006/main" xmlns:r="http://schemas.openxmlformats.org/officeDocument/2006/relationships" xmlns:p="http://schemas.openxmlformats.org/presentationml/2006/main">
-  <p:cSld>
-    <p:bg>
-      <p:bgPr>
-        <a:solidFill>
-          <a:srgbClr val="00518E"/>
-        </a:solidFill>
-        <a:effectLst/>
-      </p:bgPr>
-    </p:bg>
-    <p:spTree>
-      <p:nvGrpSpPr>
-        <p:cNvPr id="1" name=""/>
-        <p:cNvGrpSpPr/>
-        <p:nvPr/>
-      </p:nvGrpSpPr>
-      <p:grpSpPr>
-        <a:xfrm>
-          <a:off x="0" y="0"/>
-          <a:ext cx="0" cy="0"/>
-          <a:chOff x="0" y="0"/>
-          <a:chExt cx="0" cy="0"/>
-        </a:xfrm>
-      </p:grpSpPr>
-      <p:sp>
-        <p:nvSpPr>
-          <p:cNvPr id="2" name="Title 1"/>
-          <p:cNvSpPr>
-            <a:spLocks noGrp="1"/>
-          </p:cNvSpPr>
-          <p:nvPr>
-            <p:ph type="title"/>
-          </p:nvPr>
-        </p:nvSpPr>
-        <p:spPr/>
-        <p:txBody>
-          <a:bodyPr/>
-          <a:lstStyle/>
-          <a:p>
-            <a:r>
-              <a:rPr lang="en-US" dirty="0" smtClean="0"/>
-              <a:t>Microsoft Azure</a:t>
-            </a:r>
-            <a:endParaRPr lang="en-US" dirty="0"/>
-          </a:p>
-        </p:txBody>
-      </p:sp>
-      <p:sp>
-        <p:nvSpPr>
-          <p:cNvPr id="4" name="Slide Number Placeholder 3"/>
-          <p:cNvSpPr>
-            <a:spLocks noGrp="1"/>
-          </p:cNvSpPr>
-          <p:nvPr>
-            <p:ph type="sldNum" sz="quarter" idx="12"/>
-          </p:nvPr>
-        </p:nvSpPr>
-        <p:spPr/>
-        <p:txBody>
-          <a:bodyPr/>
-          <a:lstStyle/>
-          <a:p>
-            <a:fld id="{0A164282-434E-41D4-9582-783D542A7B68}" type="slidenum">
-              <a:rPr lang="en-US" smtClean="0"/>
-              <a:t>22</a:t>
-            </a:fld>
-            <a:endParaRPr lang="en-US"/>
-          </a:p>
-        </p:txBody>
-      </p:sp>
-      <p:pic>
-        <p:nvPicPr>
-          <p:cNvPr id="5" name="Picture 4"/>
-          <p:cNvPicPr>
-            <a:picLocks noChangeAspect="1"/>
-          </p:cNvPicPr>
-          <p:nvPr/>
-        </p:nvPicPr>
-        <p:blipFill>
-          <a:blip r:embed="rId2">
-            <a:extLst>
-              <a:ext uri="{28A0092B-C50C-407E-A947-70E740481C1C}">
-                <a14:useLocalDpi xmlns:a14="http://schemas.microsoft.com/office/drawing/2010/main" val="0"/>
-              </a:ext>
-            </a:extLst>
-          </a:blip>
-          <a:stretch>
-            <a:fillRect/>
-          </a:stretch>
-        </p:blipFill>
-        <p:spPr>
-          <a:xfrm>
             <a:off x="900774" y="2330998"/>
             <a:ext cx="10739846" cy="2533934"/>
           </a:xfrm>
@@ -24626,7 +24625,7 @@
 </p:sld>
 </file>
 
-<file path=ppt/slides/slide23.xml><?xml version="1.0" encoding="utf-8"?>
+<file path=ppt/slides/slide22.xml><?xml version="1.0" encoding="utf-8"?>
 <p:sld xmlns:a="http://schemas.openxmlformats.org/drawingml/2006/main" xmlns:r="http://schemas.openxmlformats.org/officeDocument/2006/relationships" xmlns:p="http://schemas.openxmlformats.org/presentationml/2006/main">
   <p:cSld>
     <p:spTree>
@@ -25199,7 +25198,7 @@
 </p:sld>
 </file>
 
-<file path=ppt/slides/slide24.xml><?xml version="1.0" encoding="utf-8"?>
+<file path=ppt/slides/slide23.xml><?xml version="1.0" encoding="utf-8"?>
 <p:sld xmlns:a="http://schemas.openxmlformats.org/drawingml/2006/main" xmlns:r="http://schemas.openxmlformats.org/officeDocument/2006/relationships" xmlns:p="http://schemas.openxmlformats.org/presentationml/2006/main">
   <p:cSld>
     <p:spTree>
@@ -25716,7 +25715,7 @@
 </p:sld>
 </file>
 
-<file path=ppt/slides/slide25.xml><?xml version="1.0" encoding="utf-8"?>
+<file path=ppt/slides/slide24.xml><?xml version="1.0" encoding="utf-8"?>
 <p:sld xmlns:a="http://schemas.openxmlformats.org/drawingml/2006/main" xmlns:r="http://schemas.openxmlformats.org/officeDocument/2006/relationships" xmlns:p="http://schemas.openxmlformats.org/presentationml/2006/main">
   <p:cSld>
     <p:bg>
@@ -26396,7 +26395,7 @@
             </a:r>
             <a:r>
               <a:rPr lang="en-US" sz="4000" dirty="0" smtClean="0"/>
-              <a:t>2013: </a:t>
+              <a:t>2015: </a:t>
             </a:r>
             <a:r>
               <a:rPr lang="en-US" sz="4000" i="1" dirty="0"/>
@@ -26404,13 +26403,8 @@
             </a:r>
             <a:r>
               <a:rPr lang="en-US" sz="4000" dirty="0"/>
-              <a:t> editor for serious web </a:t>
+              <a:t> editor for serious web dev</a:t>
             </a:r>
-            <a:r>
-              <a:rPr lang="en-US" sz="4000" dirty="0" err="1"/>
-              <a:t>dev</a:t>
-            </a:r>
-            <a:endParaRPr lang="en-US" sz="4000" dirty="0"/>
           </a:p>
         </p:txBody>
       </p:sp>
@@ -28946,7 +28940,7 @@
     </p:spTree>
     <p:extLst>
       <p:ext uri="{BB962C8B-B14F-4D97-AF65-F5344CB8AC3E}">
-        <p14:creationId xmlns:p14="http://schemas.microsoft.com/office/powerpoint/2010/main" val="3206253841"/>
+        <p14:creationId xmlns:p14="http://schemas.microsoft.com/office/powerpoint/2010/main" val="2195419122"/>
       </p:ext>
     </p:extLst>
   </p:cSld>
@@ -29056,23 +29050,7 @@
                   <a:schemeClr val="bg1"/>
                 </a:solidFill>
               </a:rPr>
-              <a:t>Azure Web </a:t>
-            </a:r>
-            <a:r>
-              <a:rPr lang="en-US" sz="2800" dirty="0" smtClean="0">
-                <a:solidFill>
-                  <a:schemeClr val="bg1"/>
-                </a:solidFill>
-              </a:rPr>
-              <a:t>Apps (10 </a:t>
-            </a:r>
-            <a:r>
-              <a:rPr lang="en-US" sz="2800" dirty="0">
-                <a:solidFill>
-                  <a:schemeClr val="bg1"/>
-                </a:solidFill>
-              </a:rPr>
-              <a:t>free!)</a:t>
+              <a:t>Azure Web Sites (10 free!)</a:t>
             </a:r>
           </a:p>
           <a:p>
@@ -29760,7 +29738,7 @@
     </p:spTree>
     <p:extLst>
       <p:ext uri="{BB962C8B-B14F-4D97-AF65-F5344CB8AC3E}">
-        <p14:creationId xmlns:p14="http://schemas.microsoft.com/office/powerpoint/2010/main" val="948199260"/>
+        <p14:creationId xmlns:p14="http://schemas.microsoft.com/office/powerpoint/2010/main" val="1167887893"/>
       </p:ext>
     </p:extLst>
   </p:cSld>
@@ -29799,7 +29777,7 @@
       </p:grpSpPr>
       <p:pic>
         <p:nvPicPr>
-          <p:cNvPr id="5" name="Picture 4"/>
+          <p:cNvPr id="2" name="Picture 1" descr="Screen Clipping"/>
           <p:cNvPicPr>
             <a:picLocks noChangeAspect="1"/>
           </p:cNvPicPr>
@@ -29819,14 +29797,74 @@
         </p:blipFill>
         <p:spPr>
           <a:xfrm>
-            <a:off x="1590" y="0"/>
-            <a:ext cx="12202076" cy="6858000"/>
+            <a:off x="0" y="0"/>
+            <a:ext cx="12192000" cy="9461563"/>
           </a:xfrm>
           <a:prstGeom prst="rect">
             <a:avLst/>
           </a:prstGeom>
         </p:spPr>
       </p:pic>
+      <p:sp>
+        <p:nvSpPr>
+          <p:cNvPr id="3" name="TextBox 2"/>
+          <p:cNvSpPr txBox="1"/>
+          <p:nvPr/>
+        </p:nvSpPr>
+        <p:spPr>
+          <a:xfrm>
+            <a:off x="377539" y="6257835"/>
+            <a:ext cx="11436921" cy="1200329"/>
+          </a:xfrm>
+          <a:prstGeom prst="rect">
+            <a:avLst/>
+          </a:prstGeom>
+          <a:solidFill>
+            <a:schemeClr val="tx2"/>
+          </a:solidFill>
+        </p:spPr>
+        <p:txBody>
+          <a:bodyPr wrap="square" rtlCol="0">
+            <a:spAutoFit/>
+          </a:bodyPr>
+          <a:lstStyle/>
+          <a:p>
+            <a:pPr>
+              <a:lnSpc>
+                <a:spcPct val="200000"/>
+              </a:lnSpc>
+            </a:pPr>
+            <a:r>
+              <a:rPr lang="en-US" dirty="0">
+                <a:solidFill>
+                  <a:schemeClr val="bg1"/>
+                </a:solidFill>
+              </a:rPr>
+              <a:t>https://azure.microsoft.com/pricing/spending-limits</a:t>
+            </a:r>
+            <a:r>
+              <a:rPr lang="en-US" dirty="0" smtClean="0">
+                <a:solidFill>
+                  <a:schemeClr val="bg1"/>
+                </a:solidFill>
+              </a:rPr>
+              <a:t>/</a:t>
+            </a:r>
+          </a:p>
+          <a:p>
+            <a:pPr>
+              <a:lnSpc>
+                <a:spcPct val="200000"/>
+              </a:lnSpc>
+            </a:pPr>
+            <a:endParaRPr lang="en-US" dirty="0">
+              <a:solidFill>
+                <a:schemeClr val="bg1"/>
+              </a:solidFill>
+            </a:endParaRPr>
+          </a:p>
+        </p:txBody>
+      </p:sp>
     </p:spTree>
     <p:extLst>
       <p:ext uri="{BB962C8B-B14F-4D97-AF65-F5344CB8AC3E}">

--- a/Presentation/Keynote/Keynote.pptx
+++ b/Presentation/Keynote/Keynote.pptx
@@ -229,7 +229,7 @@
           <a:p>
             <a:fld id="{0E990FE3-7537-4D15-A9F5-FDF1805FD5F8}" type="datetimeFigureOut">
               <a:rPr lang="en-US" smtClean="0"/>
-              <a:t>10/10/2015</a:t>
+              <a:t>10/12/2015</a:t>
             </a:fld>
             <a:endParaRPr lang="en-US"/>
           </a:p>
@@ -1085,7 +1085,7 @@
           <a:p>
             <a:fld id="{50A28030-5D59-4E14-AFE9-B93D391AF3AF}" type="datetime1">
               <a:rPr lang="en-US" smtClean="0"/>
-              <a:t>10/10/2015</a:t>
+              <a:t>10/12/2015</a:t>
             </a:fld>
             <a:endParaRPr lang="en-US" dirty="0"/>
           </a:p>
@@ -23417,14 +23417,14 @@
           <p:nvPr>
             <p:extLst>
               <p:ext uri="{D42A27DB-BD31-4B8C-83A1-F6EECF244321}">
-                <p14:modId xmlns:p14="http://schemas.microsoft.com/office/powerpoint/2010/main" val="2267648518"/>
+                <p14:modId xmlns:p14="http://schemas.microsoft.com/office/powerpoint/2010/main" val="1998841772"/>
               </p:ext>
             </p:extLst>
           </p:nvPr>
         </p:nvGraphicFramePr>
         <p:xfrm>
           <a:off x="454816" y="1031200"/>
-          <a:ext cx="11483183" cy="5225016"/>
+          <a:ext cx="11483183" cy="5634204"/>
         </p:xfrm>
         <a:graphic>
           <a:graphicData uri="http://schemas.openxmlformats.org/drawingml/2006/table">
@@ -23601,23 +23601,7 @@
                             <a:srgbClr val="000000"/>
                           </a:solidFill>
                         </a:rPr>
-                        <a:t>Introduction to ASP.NET and Visual Studio </a:t>
-                      </a:r>
-                      <a:r>
-                        <a:rPr lang="en-US" sz="2000" dirty="0" smtClean="0">
-                          <a:solidFill>
-                            <a:srgbClr val="000000"/>
-                          </a:solidFill>
-                        </a:rPr>
-                        <a:t>2015 </a:t>
-                      </a:r>
-                      <a:r>
-                        <a:rPr lang="en-US" sz="2000" dirty="0" smtClean="0">
-                          <a:solidFill>
-                            <a:srgbClr val="000000"/>
-                          </a:solidFill>
-                        </a:rPr>
-                        <a:t>Web Tools</a:t>
+                        <a:t>Introduction to ASP.NET and Visual Studio 2015 Web Tools</a:t>
                       </a:r>
                       <a:endParaRPr lang="en-US" sz="2000" dirty="0">
                         <a:solidFill>
@@ -24219,11 +24203,6 @@
                         </a:rPr>
                         <a:t>SignalR</a:t>
                       </a:r>
-                      <a:endParaRPr lang="en-US" sz="2000" dirty="0">
-                        <a:solidFill>
-                          <a:srgbClr val="000000"/>
-                        </a:solidFill>
-                      </a:endParaRPr>
                     </a:p>
                   </a:txBody>
                   <a:tcPr marL="45720" marR="45720"/>
@@ -24261,7 +24240,7 @@
                             <a:srgbClr val="000000"/>
                           </a:solidFill>
                         </a:rPr>
-                        <a:t>4:30</a:t>
+                        <a:t>4:00</a:t>
                       </a:r>
                       <a:endParaRPr lang="en-US" sz="2000" dirty="0">
                         <a:solidFill>
@@ -24275,6 +24254,74 @@
                 <a:extLst>
                   <a:ext uri="{0D108BD9-81ED-4DB2-BD59-A6C34878D82A}">
                     <a16:rowId xmlns:a16="http://schemas.microsoft.com/office/drawing/2014/main" val="10010"/>
+                  </a:ext>
+                </a:extLst>
+              </a:tr>
+              <a:tr h="409188">
+                <a:tc>
+                  <a:txBody>
+                    <a:bodyPr/>
+                    <a:lstStyle/>
+                    <a:p>
+                      <a:r>
+                        <a:rPr lang="en-US" sz="2000" dirty="0" smtClean="0">
+                          <a:solidFill>
+                            <a:srgbClr val="000000"/>
+                          </a:solidFill>
+                        </a:rPr>
+                        <a:t>ASP.NET 5 Preview</a:t>
+                      </a:r>
+                    </a:p>
+                  </a:txBody>
+                  <a:tcPr marL="45720" marR="45720"/>
+                </a:tc>
+                <a:tc>
+                  <a:txBody>
+                    <a:bodyPr/>
+                    <a:lstStyle/>
+                    <a:p>
+                      <a:r>
+                        <a:rPr lang="en-US" sz="2000" dirty="0" smtClean="0">
+                          <a:solidFill>
+                            <a:srgbClr val="000000"/>
+                          </a:solidFill>
+                        </a:rPr>
+                        <a:t>4:00</a:t>
+                      </a:r>
+                      <a:endParaRPr lang="en-US" sz="2000" dirty="0">
+                        <a:solidFill>
+                          <a:srgbClr val="000000"/>
+                        </a:solidFill>
+                      </a:endParaRPr>
+                    </a:p>
+                  </a:txBody>
+                  <a:tcPr marL="45720" marR="45720"/>
+                </a:tc>
+                <a:tc>
+                  <a:txBody>
+                    <a:bodyPr/>
+                    <a:lstStyle/>
+                    <a:p>
+                      <a:r>
+                        <a:rPr lang="en-US" sz="2000" dirty="0" smtClean="0">
+                          <a:solidFill>
+                            <a:srgbClr val="000000"/>
+                          </a:solidFill>
+                        </a:rPr>
+                        <a:t>4:45</a:t>
+                      </a:r>
+                      <a:endParaRPr lang="en-US" sz="2000" dirty="0">
+                        <a:solidFill>
+                          <a:srgbClr val="000000"/>
+                        </a:solidFill>
+                      </a:endParaRPr>
+                    </a:p>
+                  </a:txBody>
+                  <a:tcPr marL="45720" marR="45720"/>
+                </a:tc>
+                <a:extLst>
+                  <a:ext uri="{0D108BD9-81ED-4DB2-BD59-A6C34878D82A}">
+                    <a16:rowId xmlns:a16="http://schemas.microsoft.com/office/drawing/2014/main" val="4181698176"/>
                   </a:ext>
                 </a:extLst>
               </a:tr>
@@ -24320,7 +24367,7 @@
                             <a:srgbClr val="000000"/>
                           </a:solidFill>
                         </a:rPr>
-                        <a:t>4:30</a:t>
+                        <a:t>4:45</a:t>
                       </a:r>
                       <a:endParaRPr lang="en-US" sz="2000" dirty="0">
                         <a:solidFill>
@@ -25261,7 +25308,7 @@
         </p:spPr>
         <p:txBody>
           <a:bodyPr>
-            <a:normAutofit fontScale="92500" lnSpcReduction="10000"/>
+            <a:normAutofit lnSpcReduction="10000"/>
           </a:bodyPr>
           <a:lstStyle/>
           <a:p>
@@ -25353,7 +25400,7 @@
               </a:spcAft>
             </a:pPr>
             <a:r>
-              <a:rPr lang="en-US" sz="3200" b="1">
+              <a:rPr lang="en-US" sz="3200" b="1" dirty="0">
                 <a:solidFill>
                   <a:schemeClr val="bg1"/>
                 </a:solidFill>
@@ -25361,7 +25408,7 @@
               <a:t>http</a:t>
             </a:r>
             <a:r>
-              <a:rPr lang="en-US" sz="3200" b="1" smtClean="0">
+              <a:rPr lang="en-US" sz="3200" b="1" dirty="0" smtClean="0">
                 <a:solidFill>
                   <a:schemeClr val="bg1"/>
                 </a:solidFill>
@@ -25382,32 +25429,7 @@
               </a:spcAft>
             </a:pPr>
             <a:r>
-              <a:rPr lang="en-US" sz="3200" dirty="0" smtClean="0">
-                <a:solidFill>
-                  <a:schemeClr val="bg1"/>
-                </a:solidFill>
-                <a:latin typeface="+mn-lt"/>
-              </a:rPr>
-              <a:t>http</a:t>
-            </a:r>
-            <a:r>
-              <a:rPr lang="en-US" sz="3200" dirty="0">
-                <a:solidFill>
-                  <a:schemeClr val="bg1"/>
-                </a:solidFill>
-                <a:latin typeface="+mn-lt"/>
-              </a:rPr>
-              <a:t>://www.devcamps.ms/web </a:t>
-            </a:r>
-          </a:p>
-          <a:p>
-            <a:pPr>
-              <a:spcAft>
-                <a:spcPts val="1200"/>
-              </a:spcAft>
-            </a:pPr>
-            <a:r>
-              <a:rPr lang="en-US" sz="3200" dirty="0" smtClean="0">
+              <a:rPr lang="en-US" sz="3200" smtClean="0">
                 <a:solidFill>
                   <a:schemeClr val="bg1"/>
                 </a:solidFill>
